--- a/doc/Презентация_Project_7.pptx
+++ b/doc/Презентация_Project_7.pptx
@@ -8,13 +8,16 @@
     <p:sldId id="256" r:id="rId2"/>
     <p:sldId id="257" r:id="rId3"/>
     <p:sldId id="258" r:id="rId4"/>
-    <p:sldId id="261" r:id="rId5"/>
-    <p:sldId id="259" r:id="rId6"/>
-    <p:sldId id="264" r:id="rId7"/>
-    <p:sldId id="263" r:id="rId8"/>
-    <p:sldId id="260" r:id="rId9"/>
-    <p:sldId id="262" r:id="rId10"/>
-    <p:sldId id="265" r:id="rId11"/>
+    <p:sldId id="266" r:id="rId5"/>
+    <p:sldId id="261" r:id="rId6"/>
+    <p:sldId id="259" r:id="rId7"/>
+    <p:sldId id="267" r:id="rId8"/>
+    <p:sldId id="264" r:id="rId9"/>
+    <p:sldId id="263" r:id="rId10"/>
+    <p:sldId id="260" r:id="rId11"/>
+    <p:sldId id="262" r:id="rId12"/>
+    <p:sldId id="268" r:id="rId13"/>
+    <p:sldId id="265" r:id="rId14"/>
   </p:sldIdLst>
   <p:sldSz cx="12192000" cy="6858000"/>
   <p:notesSz cx="6858000" cy="9144000"/>
@@ -307,7 +310,7 @@
           <a:p>
             <a:fld id="{725D8E47-3425-499B-B622-76EE9C0699F4}" type="datetimeFigureOut">
               <a:rPr lang="ru-RU" smtClean="0"/>
-              <a:t>05.09.2023</a:t>
+              <a:t>10.09.2023</a:t>
             </a:fld>
             <a:endParaRPr lang="ru-RU"/>
           </a:p>
@@ -365,13 +368,13 @@
   <p:clrMapOvr>
     <a:masterClrMapping/>
   </p:clrMapOvr>
-  <mc:AlternateContent xmlns:mc="http://schemas.openxmlformats.org/markup-compatibility/2006">
-    <mc:Choice xmlns:p14="http://schemas.microsoft.com/office/powerpoint/2010/main" Requires="p14">
+  <mc:AlternateContent xmlns:mc="http://schemas.openxmlformats.org/markup-compatibility/2006" xmlns:p14="http://schemas.microsoft.com/office/powerpoint/2010/main">
+    <mc:Choice Requires="p14">
       <p:transition spd="med" p14:dur="700">
         <p:fade/>
       </p:transition>
     </mc:Choice>
-    <mc:Fallback>
+    <mc:Fallback xmlns="">
       <p:transition spd="med">
         <p:fade/>
       </p:transition>
@@ -594,7 +597,7 @@
           <a:p>
             <a:fld id="{725D8E47-3425-499B-B622-76EE9C0699F4}" type="datetimeFigureOut">
               <a:rPr lang="ru-RU" smtClean="0"/>
-              <a:t>05.09.2023</a:t>
+              <a:t>10.09.2023</a:t>
             </a:fld>
             <a:endParaRPr lang="ru-RU"/>
           </a:p>
@@ -652,13 +655,13 @@
   <p:clrMapOvr>
     <a:masterClrMapping/>
   </p:clrMapOvr>
-  <mc:AlternateContent xmlns:mc="http://schemas.openxmlformats.org/markup-compatibility/2006">
-    <mc:Choice xmlns:p14="http://schemas.microsoft.com/office/powerpoint/2010/main" Requires="p14">
+  <mc:AlternateContent xmlns:mc="http://schemas.openxmlformats.org/markup-compatibility/2006" xmlns:p14="http://schemas.microsoft.com/office/powerpoint/2010/main">
+    <mc:Choice Requires="p14">
       <p:transition spd="med" p14:dur="700">
         <p:fade/>
       </p:transition>
     </mc:Choice>
-    <mc:Fallback>
+    <mc:Fallback xmlns="">
       <p:transition spd="med">
         <p:fade/>
       </p:transition>
@@ -800,7 +803,7 @@
           <a:p>
             <a:fld id="{725D8E47-3425-499B-B622-76EE9C0699F4}" type="datetimeFigureOut">
               <a:rPr lang="ru-RU" smtClean="0"/>
-              <a:t>05.09.2023</a:t>
+              <a:t>10.09.2023</a:t>
             </a:fld>
             <a:endParaRPr lang="ru-RU"/>
           </a:p>
@@ -858,13 +861,13 @@
   <p:clrMapOvr>
     <a:masterClrMapping/>
   </p:clrMapOvr>
-  <mc:AlternateContent xmlns:mc="http://schemas.openxmlformats.org/markup-compatibility/2006">
-    <mc:Choice xmlns:p14="http://schemas.microsoft.com/office/powerpoint/2010/main" Requires="p14">
+  <mc:AlternateContent xmlns:mc="http://schemas.openxmlformats.org/markup-compatibility/2006" xmlns:p14="http://schemas.microsoft.com/office/powerpoint/2010/main">
+    <mc:Choice Requires="p14">
       <p:transition spd="med" p14:dur="700">
         <p:fade/>
       </p:transition>
     </mc:Choice>
-    <mc:Fallback>
+    <mc:Fallback xmlns="">
       <p:transition spd="med">
         <p:fade/>
       </p:transition>
@@ -1085,7 +1088,7 @@
           <a:p>
             <a:fld id="{725D8E47-3425-499B-B622-76EE9C0699F4}" type="datetimeFigureOut">
               <a:rPr lang="ru-RU" smtClean="0"/>
-              <a:t>05.09.2023</a:t>
+              <a:t>10.09.2023</a:t>
             </a:fld>
             <a:endParaRPr lang="ru-RU"/>
           </a:p>
@@ -1237,13 +1240,13 @@
   <p:clrMapOvr>
     <a:masterClrMapping/>
   </p:clrMapOvr>
-  <mc:AlternateContent xmlns:mc="http://schemas.openxmlformats.org/markup-compatibility/2006">
-    <mc:Choice xmlns:p14="http://schemas.microsoft.com/office/powerpoint/2010/main" Requires="p14">
+  <mc:AlternateContent xmlns:mc="http://schemas.openxmlformats.org/markup-compatibility/2006" xmlns:p14="http://schemas.microsoft.com/office/powerpoint/2010/main">
+    <mc:Choice Requires="p14">
       <p:transition spd="med" p14:dur="700">
         <p:fade/>
       </p:transition>
     </mc:Choice>
-    <mc:Fallback>
+    <mc:Fallback xmlns="">
       <p:transition spd="med">
         <p:fade/>
       </p:transition>
@@ -1438,7 +1441,7 @@
           <a:p>
             <a:fld id="{725D8E47-3425-499B-B622-76EE9C0699F4}" type="datetimeFigureOut">
               <a:rPr lang="ru-RU" smtClean="0"/>
-              <a:t>05.09.2023</a:t>
+              <a:t>10.09.2023</a:t>
             </a:fld>
             <a:endParaRPr lang="ru-RU"/>
           </a:p>
@@ -1496,13 +1499,13 @@
   <p:clrMapOvr>
     <a:masterClrMapping/>
   </p:clrMapOvr>
-  <mc:AlternateContent xmlns:mc="http://schemas.openxmlformats.org/markup-compatibility/2006">
-    <mc:Choice xmlns:p14="http://schemas.microsoft.com/office/powerpoint/2010/main" Requires="p14">
+  <mc:AlternateContent xmlns:mc="http://schemas.openxmlformats.org/markup-compatibility/2006" xmlns:p14="http://schemas.microsoft.com/office/powerpoint/2010/main">
+    <mc:Choice Requires="p14">
       <p:transition spd="med" p14:dur="700">
         <p:fade/>
       </p:transition>
     </mc:Choice>
-    <mc:Fallback>
+    <mc:Fallback xmlns="">
       <p:transition spd="med">
         <p:fade/>
       </p:transition>
@@ -2073,7 +2076,7 @@
           <a:p>
             <a:fld id="{725D8E47-3425-499B-B622-76EE9C0699F4}" type="datetimeFigureOut">
               <a:rPr lang="ru-RU" smtClean="0"/>
-              <a:t>05.09.2023</a:t>
+              <a:t>10.09.2023</a:t>
             </a:fld>
             <a:endParaRPr lang="ru-RU"/>
           </a:p>
@@ -2131,13 +2134,13 @@
   <p:clrMapOvr>
     <a:masterClrMapping/>
   </p:clrMapOvr>
-  <mc:AlternateContent xmlns:mc="http://schemas.openxmlformats.org/markup-compatibility/2006">
-    <mc:Choice xmlns:p14="http://schemas.microsoft.com/office/powerpoint/2010/main" Requires="p14">
+  <mc:AlternateContent xmlns:mc="http://schemas.openxmlformats.org/markup-compatibility/2006" xmlns:p14="http://schemas.microsoft.com/office/powerpoint/2010/main">
+    <mc:Choice Requires="p14">
       <p:transition spd="med" p14:dur="700">
         <p:fade/>
       </p:transition>
     </mc:Choice>
-    <mc:Fallback>
+    <mc:Fallback xmlns="">
       <p:transition spd="med">
         <p:fade/>
       </p:transition>
@@ -2945,7 +2948,7 @@
           <a:p>
             <a:fld id="{725D8E47-3425-499B-B622-76EE9C0699F4}" type="datetimeFigureOut">
               <a:rPr lang="ru-RU" smtClean="0"/>
-              <a:t>05.09.2023</a:t>
+              <a:t>10.09.2023</a:t>
             </a:fld>
             <a:endParaRPr lang="ru-RU"/>
           </a:p>
@@ -3003,13 +3006,13 @@
   <p:clrMapOvr>
     <a:masterClrMapping/>
   </p:clrMapOvr>
-  <mc:AlternateContent xmlns:mc="http://schemas.openxmlformats.org/markup-compatibility/2006">
-    <mc:Choice xmlns:p14="http://schemas.microsoft.com/office/powerpoint/2010/main" Requires="p14">
+  <mc:AlternateContent xmlns:mc="http://schemas.openxmlformats.org/markup-compatibility/2006" xmlns:p14="http://schemas.microsoft.com/office/powerpoint/2010/main">
+    <mc:Choice Requires="p14">
       <p:transition spd="med" p14:dur="700">
         <p:fade/>
       </p:transition>
     </mc:Choice>
-    <mc:Fallback>
+    <mc:Fallback xmlns="">
       <p:transition spd="med">
         <p:fade/>
       </p:transition>
@@ -3127,7 +3130,7 @@
           <a:p>
             <a:fld id="{725D8E47-3425-499B-B622-76EE9C0699F4}" type="datetimeFigureOut">
               <a:rPr lang="ru-RU" smtClean="0"/>
-              <a:t>05.09.2023</a:t>
+              <a:t>10.09.2023</a:t>
             </a:fld>
             <a:endParaRPr lang="ru-RU"/>
           </a:p>
@@ -3185,13 +3188,13 @@
   <p:clrMapOvr>
     <a:masterClrMapping/>
   </p:clrMapOvr>
-  <mc:AlternateContent xmlns:mc="http://schemas.openxmlformats.org/markup-compatibility/2006">
-    <mc:Choice xmlns:p14="http://schemas.microsoft.com/office/powerpoint/2010/main" Requires="p14">
+  <mc:AlternateContent xmlns:mc="http://schemas.openxmlformats.org/markup-compatibility/2006" xmlns:p14="http://schemas.microsoft.com/office/powerpoint/2010/main">
+    <mc:Choice Requires="p14">
       <p:transition spd="med" p14:dur="700">
         <p:fade/>
       </p:transition>
     </mc:Choice>
-    <mc:Fallback>
+    <mc:Fallback xmlns="">
       <p:transition spd="med">
         <p:fade/>
       </p:transition>
@@ -3319,7 +3322,7 @@
           <a:p>
             <a:fld id="{725D8E47-3425-499B-B622-76EE9C0699F4}" type="datetimeFigureOut">
               <a:rPr lang="ru-RU" smtClean="0"/>
-              <a:t>05.09.2023</a:t>
+              <a:t>10.09.2023</a:t>
             </a:fld>
             <a:endParaRPr lang="ru-RU"/>
           </a:p>
@@ -3377,13 +3380,13 @@
   <p:clrMapOvr>
     <a:masterClrMapping/>
   </p:clrMapOvr>
-  <mc:AlternateContent xmlns:mc="http://schemas.openxmlformats.org/markup-compatibility/2006">
-    <mc:Choice xmlns:p14="http://schemas.microsoft.com/office/powerpoint/2010/main" Requires="p14">
+  <mc:AlternateContent xmlns:mc="http://schemas.openxmlformats.org/markup-compatibility/2006" xmlns:p14="http://schemas.microsoft.com/office/powerpoint/2010/main">
+    <mc:Choice Requires="p14">
       <p:transition spd="med" p14:dur="700">
         <p:fade/>
       </p:transition>
     </mc:Choice>
-    <mc:Fallback>
+    <mc:Fallback xmlns="">
       <p:transition spd="med">
         <p:fade/>
       </p:transition>
@@ -3501,7 +3504,7 @@
           <a:p>
             <a:fld id="{725D8E47-3425-499B-B622-76EE9C0699F4}" type="datetimeFigureOut">
               <a:rPr lang="ru-RU" smtClean="0"/>
-              <a:t>05.09.2023</a:t>
+              <a:t>10.09.2023</a:t>
             </a:fld>
             <a:endParaRPr lang="ru-RU"/>
           </a:p>
@@ -3559,13 +3562,13 @@
   <p:clrMapOvr>
     <a:masterClrMapping/>
   </p:clrMapOvr>
-  <mc:AlternateContent xmlns:mc="http://schemas.openxmlformats.org/markup-compatibility/2006">
-    <mc:Choice xmlns:p14="http://schemas.microsoft.com/office/powerpoint/2010/main" Requires="p14">
+  <mc:AlternateContent xmlns:mc="http://schemas.openxmlformats.org/markup-compatibility/2006" xmlns:p14="http://schemas.microsoft.com/office/powerpoint/2010/main">
+    <mc:Choice Requires="p14">
       <p:transition spd="med" p14:dur="700">
         <p:fade/>
       </p:transition>
     </mc:Choice>
-    <mc:Fallback>
+    <mc:Fallback xmlns="">
       <p:transition spd="med">
         <p:fade/>
       </p:transition>
@@ -3760,7 +3763,7 @@
           <a:p>
             <a:fld id="{725D8E47-3425-499B-B622-76EE9C0699F4}" type="datetimeFigureOut">
               <a:rPr lang="ru-RU" smtClean="0"/>
-              <a:t>05.09.2023</a:t>
+              <a:t>10.09.2023</a:t>
             </a:fld>
             <a:endParaRPr lang="ru-RU"/>
           </a:p>
@@ -3818,13 +3821,13 @@
   <p:clrMapOvr>
     <a:masterClrMapping/>
   </p:clrMapOvr>
-  <mc:AlternateContent xmlns:mc="http://schemas.openxmlformats.org/markup-compatibility/2006">
-    <mc:Choice xmlns:p14="http://schemas.microsoft.com/office/powerpoint/2010/main" Requires="p14">
+  <mc:AlternateContent xmlns:mc="http://schemas.openxmlformats.org/markup-compatibility/2006" xmlns:p14="http://schemas.microsoft.com/office/powerpoint/2010/main">
+    <mc:Choice Requires="p14">
       <p:transition spd="med" p14:dur="700">
         <p:fade/>
       </p:transition>
     </mc:Choice>
-    <mc:Fallback>
+    <mc:Fallback xmlns="">
       <p:transition spd="med">
         <p:fade/>
       </p:transition>
@@ -4064,7 +4067,7 @@
           <a:p>
             <a:fld id="{725D8E47-3425-499B-B622-76EE9C0699F4}" type="datetimeFigureOut">
               <a:rPr lang="ru-RU" smtClean="0"/>
-              <a:t>05.09.2023</a:t>
+              <a:t>10.09.2023</a:t>
             </a:fld>
             <a:endParaRPr lang="ru-RU"/>
           </a:p>
@@ -4122,13 +4125,13 @@
   <p:clrMapOvr>
     <a:masterClrMapping/>
   </p:clrMapOvr>
-  <mc:AlternateContent xmlns:mc="http://schemas.openxmlformats.org/markup-compatibility/2006">
-    <mc:Choice xmlns:p14="http://schemas.microsoft.com/office/powerpoint/2010/main" Requires="p14">
+  <mc:AlternateContent xmlns:mc="http://schemas.openxmlformats.org/markup-compatibility/2006" xmlns:p14="http://schemas.microsoft.com/office/powerpoint/2010/main">
+    <mc:Choice Requires="p14">
       <p:transition spd="med" p14:dur="700">
         <p:fade/>
       </p:transition>
     </mc:Choice>
-    <mc:Fallback>
+    <mc:Fallback xmlns="">
       <p:transition spd="med">
         <p:fade/>
       </p:transition>
@@ -4520,7 +4523,7 @@
           <a:p>
             <a:fld id="{725D8E47-3425-499B-B622-76EE9C0699F4}" type="datetimeFigureOut">
               <a:rPr lang="ru-RU" smtClean="0"/>
-              <a:t>05.09.2023</a:t>
+              <a:t>10.09.2023</a:t>
             </a:fld>
             <a:endParaRPr lang="ru-RU"/>
           </a:p>
@@ -4578,13 +4581,13 @@
   <p:clrMapOvr>
     <a:masterClrMapping/>
   </p:clrMapOvr>
-  <mc:AlternateContent xmlns:mc="http://schemas.openxmlformats.org/markup-compatibility/2006">
-    <mc:Choice xmlns:p14="http://schemas.microsoft.com/office/powerpoint/2010/main" Requires="p14">
+  <mc:AlternateContent xmlns:mc="http://schemas.openxmlformats.org/markup-compatibility/2006" xmlns:p14="http://schemas.microsoft.com/office/powerpoint/2010/main">
+    <mc:Choice Requires="p14">
       <p:transition spd="med" p14:dur="700">
         <p:fade/>
       </p:transition>
     </mc:Choice>
-    <mc:Fallback>
+    <mc:Fallback xmlns="">
       <p:transition spd="med">
         <p:fade/>
       </p:transition>
@@ -4650,7 +4653,7 @@
           <a:p>
             <a:fld id="{725D8E47-3425-499B-B622-76EE9C0699F4}" type="datetimeFigureOut">
               <a:rPr lang="ru-RU" smtClean="0"/>
-              <a:t>05.09.2023</a:t>
+              <a:t>10.09.2023</a:t>
             </a:fld>
             <a:endParaRPr lang="ru-RU"/>
           </a:p>
@@ -4708,13 +4711,13 @@
   <p:clrMapOvr>
     <a:masterClrMapping/>
   </p:clrMapOvr>
-  <mc:AlternateContent xmlns:mc="http://schemas.openxmlformats.org/markup-compatibility/2006">
-    <mc:Choice xmlns:p14="http://schemas.microsoft.com/office/powerpoint/2010/main" Requires="p14">
+  <mc:AlternateContent xmlns:mc="http://schemas.openxmlformats.org/markup-compatibility/2006" xmlns:p14="http://schemas.microsoft.com/office/powerpoint/2010/main">
+    <mc:Choice Requires="p14">
       <p:transition spd="med" p14:dur="700">
         <p:fade/>
       </p:transition>
     </mc:Choice>
-    <mc:Fallback>
+    <mc:Fallback xmlns="">
       <p:transition spd="med">
         <p:fade/>
       </p:transition>
@@ -4757,7 +4760,7 @@
           <a:p>
             <a:fld id="{725D8E47-3425-499B-B622-76EE9C0699F4}" type="datetimeFigureOut">
               <a:rPr lang="ru-RU" smtClean="0"/>
-              <a:t>05.09.2023</a:t>
+              <a:t>10.09.2023</a:t>
             </a:fld>
             <a:endParaRPr lang="ru-RU"/>
           </a:p>
@@ -4815,13 +4818,13 @@
   <p:clrMapOvr>
     <a:masterClrMapping/>
   </p:clrMapOvr>
-  <mc:AlternateContent xmlns:mc="http://schemas.openxmlformats.org/markup-compatibility/2006">
-    <mc:Choice xmlns:p14="http://schemas.microsoft.com/office/powerpoint/2010/main" Requires="p14">
+  <mc:AlternateContent xmlns:mc="http://schemas.openxmlformats.org/markup-compatibility/2006" xmlns:p14="http://schemas.microsoft.com/office/powerpoint/2010/main">
+    <mc:Choice Requires="p14">
       <p:transition spd="med" p14:dur="700">
         <p:fade/>
       </p:transition>
     </mc:Choice>
-    <mc:Fallback>
+    <mc:Fallback xmlns="">
       <p:transition spd="med">
         <p:fade/>
       </p:transition>
@@ -5048,7 +5051,7 @@
           <a:p>
             <a:fld id="{725D8E47-3425-499B-B622-76EE9C0699F4}" type="datetimeFigureOut">
               <a:rPr lang="ru-RU" smtClean="0"/>
-              <a:t>05.09.2023</a:t>
+              <a:t>10.09.2023</a:t>
             </a:fld>
             <a:endParaRPr lang="ru-RU"/>
           </a:p>
@@ -5106,13 +5109,13 @@
   <p:clrMapOvr>
     <a:masterClrMapping/>
   </p:clrMapOvr>
-  <mc:AlternateContent xmlns:mc="http://schemas.openxmlformats.org/markup-compatibility/2006">
-    <mc:Choice xmlns:p14="http://schemas.microsoft.com/office/powerpoint/2010/main" Requires="p14">
+  <mc:AlternateContent xmlns:mc="http://schemas.openxmlformats.org/markup-compatibility/2006" xmlns:p14="http://schemas.microsoft.com/office/powerpoint/2010/main">
+    <mc:Choice Requires="p14">
       <p:transition spd="med" p14:dur="700">
         <p:fade/>
       </p:transition>
     </mc:Choice>
-    <mc:Fallback>
+    <mc:Fallback xmlns="">
       <p:transition spd="med">
         <p:fade/>
       </p:transition>
@@ -5335,7 +5338,7 @@
           <a:p>
             <a:fld id="{725D8E47-3425-499B-B622-76EE9C0699F4}" type="datetimeFigureOut">
               <a:rPr lang="ru-RU" smtClean="0"/>
-              <a:t>05.09.2023</a:t>
+              <a:t>10.09.2023</a:t>
             </a:fld>
             <a:endParaRPr lang="ru-RU"/>
           </a:p>
@@ -5393,13 +5396,13 @@
   <p:clrMapOvr>
     <a:masterClrMapping/>
   </p:clrMapOvr>
-  <mc:AlternateContent xmlns:mc="http://schemas.openxmlformats.org/markup-compatibility/2006">
-    <mc:Choice xmlns:p14="http://schemas.microsoft.com/office/powerpoint/2010/main" Requires="p14">
+  <mc:AlternateContent xmlns:mc="http://schemas.openxmlformats.org/markup-compatibility/2006" xmlns:p14="http://schemas.microsoft.com/office/powerpoint/2010/main">
+    <mc:Choice Requires="p14">
       <p:transition spd="med" p14:dur="700">
         <p:fade/>
       </p:transition>
     </mc:Choice>
-    <mc:Fallback>
+    <mc:Fallback xmlns="">
       <p:transition spd="med">
         <p:fade/>
       </p:transition>
@@ -5776,7 +5779,7 @@
           <a:p>
             <a:fld id="{725D8E47-3425-499B-B622-76EE9C0699F4}" type="datetimeFigureOut">
               <a:rPr lang="ru-RU" smtClean="0"/>
-              <a:t>05.09.2023</a:t>
+              <a:t>10.09.2023</a:t>
             </a:fld>
             <a:endParaRPr lang="ru-RU"/>
           </a:p>
@@ -5888,13 +5891,13 @@
     <p:sldLayoutId id="2147483676" r:id="rId16"/>
     <p:sldLayoutId id="2147483677" r:id="rId17"/>
   </p:sldLayoutIdLst>
-  <mc:AlternateContent xmlns:mc="http://schemas.openxmlformats.org/markup-compatibility/2006">
-    <mc:Choice xmlns:p14="http://schemas.microsoft.com/office/powerpoint/2010/main" Requires="p14">
+  <mc:AlternateContent xmlns:mc="http://schemas.openxmlformats.org/markup-compatibility/2006" xmlns:p14="http://schemas.microsoft.com/office/powerpoint/2010/main">
+    <mc:Choice Requires="p14">
       <p:transition spd="med" p14:dur="700">
         <p:fade/>
       </p:transition>
     </mc:Choice>
-    <mc:Fallback>
+    <mc:Fallback xmlns="">
       <p:transition spd="med">
         <p:fade/>
       </p:transition>
@@ -6400,13 +6403,13 @@
   <p:clrMapOvr>
     <a:masterClrMapping/>
   </p:clrMapOvr>
-  <mc:AlternateContent xmlns:mc="http://schemas.openxmlformats.org/markup-compatibility/2006">
-    <mc:Choice xmlns:p14="http://schemas.microsoft.com/office/powerpoint/2010/main" Requires="p14">
+  <mc:AlternateContent xmlns:mc="http://schemas.openxmlformats.org/markup-compatibility/2006" xmlns:p14="http://schemas.microsoft.com/office/powerpoint/2010/main">
+    <mc:Choice Requires="p14">
       <p:transition spd="med" p14:dur="700">
         <p:fade/>
       </p:transition>
     </mc:Choice>
-    <mc:Fallback>
+    <mc:Fallback xmlns="">
       <p:transition spd="med">
         <p:fade/>
       </p:transition>
@@ -6451,8 +6454,8 @@
         </p:nvSpPr>
         <p:spPr>
           <a:xfrm>
-            <a:off x="2474912" y="3176868"/>
-            <a:ext cx="7650164" cy="871257"/>
+            <a:off x="646111" y="452718"/>
+            <a:ext cx="9404723" cy="975029"/>
           </a:xfrm>
         </p:spPr>
         <p:txBody>
@@ -6460,34 +6463,240 @@
           <a:lstStyle/>
           <a:p>
             <a:r>
-              <a:rPr lang="ru-RU" dirty="0" smtClean="0"/>
-              <a:t>СПАСИБО ЗА ВНИМАНИЕ</a:t>
-            </a:r>
-            <a:r>
-              <a:rPr lang="ru-RU" dirty="0" smtClean="0"/>
-              <a:t>!</a:t>
+              <a:rPr lang="ru-RU" u="sng" dirty="0"/>
+              <a:t>Используемые технологии:</a:t>
             </a:r>
             <a:endParaRPr lang="ru-RU" dirty="0"/>
+          </a:p>
+        </p:txBody>
+      </p:sp>
+      <p:sp>
+        <p:nvSpPr>
+          <p:cNvPr id="4" name="Объект 2"/>
+          <p:cNvSpPr>
+            <a:spLocks noGrp="1"/>
+          </p:cNvSpPr>
+          <p:nvPr>
+            <p:ph idx="1"/>
+          </p:nvPr>
+        </p:nvSpPr>
+        <p:spPr>
+          <a:xfrm>
+            <a:off x="205722" y="1903234"/>
+            <a:ext cx="11498598" cy="4278110"/>
+          </a:xfrm>
+        </p:spPr>
+        <p:txBody>
+          <a:bodyPr>
+            <a:noAutofit/>
+          </a:bodyPr>
+          <a:lstStyle/>
+          <a:p>
+            <a:r>
+              <a:rPr lang="en-US" sz="1900" dirty="0" err="1" smtClean="0"/>
+              <a:t>PyCharm</a:t>
+            </a:r>
+            <a:r>
+              <a:rPr lang="ru-RU" sz="1900" dirty="0" smtClean="0"/>
+              <a:t> </a:t>
+            </a:r>
+            <a:r>
+              <a:rPr lang="ru-RU" sz="1900" dirty="0"/>
+              <a:t>– кроссплатформенная </a:t>
+            </a:r>
+            <a:r>
+              <a:rPr lang="en-US" sz="1900" dirty="0"/>
+              <a:t>IDE</a:t>
+            </a:r>
+            <a:r>
+              <a:rPr lang="ru-RU" sz="1900" dirty="0"/>
+              <a:t> для языка программирования </a:t>
+            </a:r>
+            <a:r>
+              <a:rPr lang="en-US" sz="1900" dirty="0"/>
+              <a:t>Python</a:t>
+            </a:r>
+            <a:r>
+              <a:rPr lang="ru-RU" sz="1900" dirty="0"/>
+              <a:t>. Предоставляет комплекс средств для написания кода и визуальный отладчик. Необходима для написания работоспособного скрипта, автоматизирующего </a:t>
+            </a:r>
+            <a:r>
+              <a:rPr lang="ru-RU" sz="1900" dirty="0" smtClean="0"/>
+              <a:t>процессы</a:t>
+            </a:r>
+            <a:endParaRPr lang="en-US" sz="1900" dirty="0" smtClean="0"/>
+          </a:p>
+          <a:p>
+            <a:r>
+              <a:rPr lang="en-US" sz="1900" dirty="0" err="1" smtClean="0"/>
+              <a:t>Docker</a:t>
+            </a:r>
+            <a:r>
+              <a:rPr lang="en-US" sz="1900" dirty="0" smtClean="0"/>
+              <a:t> </a:t>
+            </a:r>
+            <a:r>
+              <a:rPr lang="ru-RU" sz="1900" dirty="0"/>
+              <a:t>позволяет «упаковать» приложение со всем его окружением и </a:t>
+            </a:r>
+            <a:r>
+              <a:rPr lang="ru-RU" sz="1900" dirty="0" smtClean="0"/>
+              <a:t>зависимостями</a:t>
+            </a:r>
+            <a:r>
+              <a:rPr lang="en-US" sz="1900" dirty="0" smtClean="0"/>
+              <a:t> </a:t>
+            </a:r>
+            <a:r>
+              <a:rPr lang="ru-RU" sz="1900" dirty="0" smtClean="0"/>
+              <a:t>в </a:t>
+            </a:r>
+            <a:r>
+              <a:rPr lang="ru-RU" sz="1900" dirty="0"/>
+              <a:t>контейнер, а также предоставляет набор команд для управления этими контейнерами. Необходим для развертывания СУБД </a:t>
+            </a:r>
+            <a:r>
+              <a:rPr lang="en-US" sz="1900" dirty="0" err="1"/>
+              <a:t>PostgreSQL</a:t>
+            </a:r>
+            <a:r>
+              <a:rPr lang="en-US" sz="1900" dirty="0"/>
+              <a:t> </a:t>
+            </a:r>
+            <a:r>
+              <a:rPr lang="ru-RU" sz="1900" dirty="0"/>
+              <a:t>на рабочем </a:t>
+            </a:r>
+            <a:r>
+              <a:rPr lang="ru-RU" sz="1900" dirty="0" smtClean="0"/>
+              <a:t>месте</a:t>
+            </a:r>
+            <a:endParaRPr lang="en-US" sz="1900" dirty="0" smtClean="0"/>
+          </a:p>
+          <a:p>
+            <a:r>
+              <a:rPr lang="en-US" sz="1900" dirty="0" err="1" smtClean="0"/>
+              <a:t>PostgreSQL</a:t>
+            </a:r>
+            <a:r>
+              <a:rPr lang="ru-RU" sz="1900" dirty="0" smtClean="0"/>
+              <a:t> </a:t>
+            </a:r>
+            <a:r>
+              <a:rPr lang="ru-RU" sz="1900" dirty="0"/>
+              <a:t>– свободная объектно-ориентированная система управления базами данных. Необходима для создания базы данных и манипуляциями над </a:t>
+            </a:r>
+            <a:r>
+              <a:rPr lang="ru-RU" sz="1900" dirty="0" smtClean="0"/>
+              <a:t>ней</a:t>
+            </a:r>
+            <a:endParaRPr lang="en-US" sz="1900" dirty="0" smtClean="0"/>
+          </a:p>
+          <a:p>
+            <a:r>
+              <a:rPr lang="en-US" sz="1900" dirty="0" smtClean="0"/>
+              <a:t>Psycopg2</a:t>
+            </a:r>
+            <a:r>
+              <a:rPr lang="ru-RU" sz="1900" dirty="0" smtClean="0"/>
+              <a:t> </a:t>
+            </a:r>
+            <a:r>
+              <a:rPr lang="ru-RU" sz="1900" dirty="0"/>
+              <a:t>– </a:t>
+            </a:r>
+            <a:r>
+              <a:rPr lang="ru-RU" sz="1900" dirty="0" smtClean="0"/>
+              <a:t>позволяет подключаться к </a:t>
+            </a:r>
+            <a:r>
+              <a:rPr lang="en-US" sz="1900" dirty="0" err="1"/>
+              <a:t>PostgreSQL</a:t>
+            </a:r>
+            <a:r>
+              <a:rPr lang="en-US" sz="1900" dirty="0"/>
+              <a:t> </a:t>
+            </a:r>
+            <a:r>
+              <a:rPr lang="ru-RU" sz="1900" dirty="0" smtClean="0"/>
+              <a:t>и выполнять </a:t>
+            </a:r>
+            <a:r>
+              <a:rPr lang="en-US" sz="1900" dirty="0" smtClean="0"/>
+              <a:t>SQL-</a:t>
+            </a:r>
+            <a:r>
+              <a:rPr lang="ru-RU" sz="1900" dirty="0" smtClean="0"/>
+              <a:t>запросы путем запуска соответствующего скрипта. Необходим для автоматизации </a:t>
+            </a:r>
+            <a:r>
+              <a:rPr lang="en-US" sz="1900" dirty="0" smtClean="0"/>
+              <a:t>SQL – </a:t>
+            </a:r>
+            <a:r>
+              <a:rPr lang="ru-RU" sz="1900" dirty="0" smtClean="0"/>
+              <a:t>операций</a:t>
+            </a:r>
+            <a:endParaRPr lang="en-US" sz="1900" dirty="0" smtClean="0"/>
+          </a:p>
+          <a:p>
+            <a:r>
+              <a:rPr lang="ru-RU" sz="1900" dirty="0" err="1" smtClean="0"/>
+              <a:t>Airflow</a:t>
+            </a:r>
+            <a:r>
+              <a:rPr lang="ru-RU" sz="1900" dirty="0" smtClean="0"/>
+              <a:t> </a:t>
+            </a:r>
+            <a:r>
+              <a:rPr lang="ru-RU" sz="1900" dirty="0"/>
+              <a:t>— это </a:t>
+            </a:r>
+            <a:r>
+              <a:rPr lang="ru-RU" sz="1900" dirty="0" err="1"/>
+              <a:t>open-source</a:t>
+            </a:r>
+            <a:r>
+              <a:rPr lang="ru-RU" sz="1900" dirty="0"/>
+              <a:t> инструмент для </a:t>
+            </a:r>
+            <a:r>
+              <a:rPr lang="ru-RU" sz="1900" dirty="0" err="1"/>
+              <a:t>оркестрации</a:t>
+            </a:r>
+            <a:r>
+              <a:rPr lang="ru-RU" sz="1900" dirty="0"/>
+              <a:t> рабочих процессов, который позволяет создавать, планировать и </a:t>
+            </a:r>
+            <a:r>
+              <a:rPr lang="ru-RU" sz="1900" dirty="0" err="1"/>
+              <a:t>мониторить</a:t>
+            </a:r>
+            <a:r>
+              <a:rPr lang="ru-RU" sz="1900" dirty="0"/>
+              <a:t> сложные последовательности задач</a:t>
+            </a:r>
+            <a:endParaRPr lang="ru-RU" sz="1900" dirty="0"/>
           </a:p>
         </p:txBody>
       </p:sp>
     </p:spTree>
     <p:extLst>
       <p:ext uri="{BB962C8B-B14F-4D97-AF65-F5344CB8AC3E}">
-        <p14:creationId xmlns:p14="http://schemas.microsoft.com/office/powerpoint/2010/main" val="4046753189"/>
+        <p14:creationId xmlns:p14="http://schemas.microsoft.com/office/powerpoint/2010/main" val="2558867905"/>
       </p:ext>
     </p:extLst>
   </p:cSld>
   <p:clrMapOvr>
     <a:masterClrMapping/>
   </p:clrMapOvr>
-  <mc:AlternateContent xmlns:mc="http://schemas.openxmlformats.org/markup-compatibility/2006">
-    <mc:Choice xmlns:p14="http://schemas.microsoft.com/office/powerpoint/2010/main" Requires="p14">
+  <mc:AlternateContent xmlns:mc="http://schemas.openxmlformats.org/markup-compatibility/2006" xmlns:p14="http://schemas.microsoft.com/office/powerpoint/2010/main">
+    <mc:Choice Requires="p14">
       <p:transition spd="med" p14:dur="700">
         <p:fade/>
       </p:transition>
     </mc:Choice>
-    <mc:Fallback>
+    <mc:Fallback xmlns="">
       <p:transition spd="med">
         <p:fade/>
       </p:transition>
@@ -6503,7 +6712,7 @@
 </p:sld>
 </file>
 
-<file path=ppt/slides/slide2.xml><?xml version="1.0" encoding="utf-8"?>
+<file path=ppt/slides/slide11.xml><?xml version="1.0" encoding="utf-8"?>
 <p:sld xmlns:a="http://schemas.openxmlformats.org/drawingml/2006/main" xmlns:r="http://schemas.openxmlformats.org/officeDocument/2006/relationships" xmlns:p="http://schemas.openxmlformats.org/presentationml/2006/main">
   <p:cSld>
     <p:spTree>
@@ -6536,590 +6745,24 @@
           <a:lstStyle/>
           <a:p>
             <a:r>
-              <a:rPr lang="ru-RU" dirty="0" smtClean="0"/>
-              <a:t>Цель проекта</a:t>
-            </a:r>
-            <a:endParaRPr lang="ru-RU" dirty="0"/>
-          </a:p>
-        </p:txBody>
-      </p:sp>
-      <p:sp>
-        <p:nvSpPr>
-          <p:cNvPr id="3" name="Объект 2"/>
-          <p:cNvSpPr>
-            <a:spLocks noGrp="1"/>
-          </p:cNvSpPr>
-          <p:nvPr>
-            <p:ph idx="1"/>
-          </p:nvPr>
-        </p:nvSpPr>
-        <p:spPr/>
-        <p:txBody>
-          <a:bodyPr/>
-          <a:lstStyle/>
-          <a:p>
-            <a:r>
-              <a:rPr lang="ru-RU" dirty="0" smtClean="0"/>
-              <a:t>Создать базу данных изменения курса валют на </a:t>
-            </a:r>
-            <a:r>
               <a:rPr lang="ru-RU" dirty="0"/>
-              <a:t>основании </a:t>
-            </a:r>
-            <a:r>
-              <a:rPr lang="ru-RU" dirty="0" smtClean="0"/>
-              <a:t>сведений предоставляемых официальным источником</a:t>
-            </a:r>
-          </a:p>
-          <a:p>
-            <a:r>
-              <a:rPr lang="ru-RU" dirty="0" smtClean="0"/>
-              <a:t>Организовать хранение и систематическую актуализацию этих сведений</a:t>
-            </a:r>
-          </a:p>
-          <a:p>
-            <a:r>
-              <a:rPr lang="ru-RU" dirty="0"/>
-              <a:t>С</a:t>
-            </a:r>
-            <a:r>
-              <a:rPr lang="ru-RU" dirty="0" smtClean="0"/>
-              <a:t>оздать витрину данных, которая позволит анализировать изменение курса интересующих валют по требуемым </a:t>
-            </a:r>
-            <a:r>
-              <a:rPr lang="ru-RU" dirty="0" smtClean="0"/>
-              <a:t>критериям</a:t>
-            </a:r>
-            <a:endParaRPr lang="ru-RU" dirty="0"/>
-          </a:p>
-        </p:txBody>
-      </p:sp>
-    </p:spTree>
-    <p:extLst>
-      <p:ext uri="{BB962C8B-B14F-4D97-AF65-F5344CB8AC3E}">
-        <p14:creationId xmlns:p14="http://schemas.microsoft.com/office/powerpoint/2010/main" val="486297704"/>
-      </p:ext>
-    </p:extLst>
-  </p:cSld>
-  <p:clrMapOvr>
-    <a:masterClrMapping/>
-  </p:clrMapOvr>
-  <mc:AlternateContent xmlns:mc="http://schemas.openxmlformats.org/markup-compatibility/2006">
-    <mc:Choice xmlns:p14="http://schemas.microsoft.com/office/powerpoint/2010/main" Requires="p14">
-      <p:transition spd="med" p14:dur="700">
-        <p:fade/>
-      </p:transition>
-    </mc:Choice>
-    <mc:Fallback>
-      <p:transition spd="med">
-        <p:fade/>
-      </p:transition>
-    </mc:Fallback>
-  </mc:AlternateContent>
-  <p:timing>
-    <p:tnLst>
-      <p:par>
-        <p:cTn id="1" dur="indefinite" restart="never" nodeType="tmRoot"/>
-      </p:par>
-    </p:tnLst>
-  </p:timing>
-</p:sld>
-</file>
-
-<file path=ppt/slides/slide3.xml><?xml version="1.0" encoding="utf-8"?>
-<p:sld xmlns:a="http://schemas.openxmlformats.org/drawingml/2006/main" xmlns:r="http://schemas.openxmlformats.org/officeDocument/2006/relationships" xmlns:p="http://schemas.openxmlformats.org/presentationml/2006/main">
-  <p:cSld>
-    <p:spTree>
-      <p:nvGrpSpPr>
-        <p:cNvPr id="1" name=""/>
-        <p:cNvGrpSpPr/>
-        <p:nvPr/>
-      </p:nvGrpSpPr>
-      <p:grpSpPr>
-        <a:xfrm>
-          <a:off x="0" y="0"/>
-          <a:ext cx="0" cy="0"/>
-          <a:chOff x="0" y="0"/>
-          <a:chExt cx="0" cy="0"/>
-        </a:xfrm>
-      </p:grpSpPr>
-      <p:sp>
-        <p:nvSpPr>
-          <p:cNvPr id="2" name="Заголовок 1"/>
-          <p:cNvSpPr>
-            <a:spLocks noGrp="1"/>
-          </p:cNvSpPr>
-          <p:nvPr>
-            <p:ph type="title"/>
-          </p:nvPr>
+              <a:t>Результат работы</a:t>
+            </a:r>
+          </a:p>
+        </p:txBody>
+      </p:sp>
+      <p:sp>
+        <p:nvSpPr>
+          <p:cNvPr id="4" name="Объект 2"/>
+          <p:cNvSpPr txBox="1">
+            <a:spLocks/>
+          </p:cNvSpPr>
+          <p:nvPr/>
         </p:nvSpPr>
         <p:spPr>
           <a:xfrm>
-            <a:off x="646111" y="228128"/>
-            <a:ext cx="9404723" cy="1400530"/>
-          </a:xfrm>
-        </p:spPr>
-        <p:txBody>
-          <a:bodyPr/>
-          <a:lstStyle/>
-          <a:p>
-            <a:r>
-              <a:rPr lang="ru-RU" dirty="0" smtClean="0"/>
-              <a:t>Необходимая витрина</a:t>
-            </a:r>
-            <a:endParaRPr lang="ru-RU" dirty="0"/>
-          </a:p>
-        </p:txBody>
-      </p:sp>
-      <p:sp>
-        <p:nvSpPr>
-          <p:cNvPr id="3" name="Объект 2"/>
-          <p:cNvSpPr>
-            <a:spLocks noGrp="1"/>
-          </p:cNvSpPr>
-          <p:nvPr>
-            <p:ph idx="1"/>
-          </p:nvPr>
-        </p:nvSpPr>
-        <p:spPr>
-          <a:xfrm>
-            <a:off x="646111" y="1219200"/>
-            <a:ext cx="11149263" cy="5165558"/>
-          </a:xfrm>
-        </p:spPr>
-        <p:txBody>
-          <a:bodyPr>
-            <a:normAutofit fontScale="92500" lnSpcReduction="10000"/>
-          </a:bodyPr>
-          <a:lstStyle/>
-          <a:p>
-            <a:pPr marL="0" indent="0">
-              <a:buNone/>
-            </a:pPr>
-            <a:r>
-              <a:rPr lang="ru-RU" dirty="0"/>
-              <a:t>Информация об изменении </a:t>
-            </a:r>
-            <a:r>
-              <a:rPr lang="ru-RU" dirty="0" smtClean="0"/>
-              <a:t>курса для трех наименований валют (акций</a:t>
-            </a:r>
-            <a:r>
-              <a:rPr lang="ru-RU" dirty="0" smtClean="0"/>
-              <a:t>):</a:t>
-            </a:r>
-            <a:br>
-              <a:rPr lang="ru-RU" dirty="0" smtClean="0"/>
-            </a:br>
-            <a:r>
-              <a:rPr lang="ru-RU" dirty="0" smtClean="0"/>
-              <a:t>доллара </a:t>
-            </a:r>
-            <a:r>
-              <a:rPr lang="ru-RU" dirty="0"/>
-              <a:t>США, китайского юаня и акций </a:t>
-            </a:r>
-            <a:r>
-              <a:rPr lang="ru-RU" dirty="0" smtClean="0"/>
-              <a:t>IBM по следующим </a:t>
-            </a:r>
-            <a:r>
-              <a:rPr lang="ru-RU" dirty="0" smtClean="0"/>
-              <a:t>позициям</a:t>
-            </a:r>
-          </a:p>
-          <a:p>
-            <a:pPr marL="0" indent="0">
-              <a:buNone/>
-            </a:pPr>
-            <a:endParaRPr lang="ru-RU" dirty="0" smtClean="0"/>
-          </a:p>
-          <a:p>
-            <a:r>
-              <a:rPr lang="ru-RU" dirty="0" smtClean="0"/>
-              <a:t>Название </a:t>
-            </a:r>
-            <a:r>
-              <a:rPr lang="ru-RU" dirty="0" smtClean="0"/>
-              <a:t>валюты (</a:t>
-            </a:r>
-            <a:r>
-              <a:rPr lang="en-US" dirty="0" smtClean="0"/>
-              <a:t>symbol</a:t>
-            </a:r>
-            <a:r>
-              <a:rPr lang="ru-RU" dirty="0" smtClean="0"/>
-              <a:t>)</a:t>
-            </a:r>
-          </a:p>
-          <a:p>
-            <a:r>
-              <a:rPr lang="ru-RU" dirty="0"/>
-              <a:t>Курс валюты на момент открытия торгов для данных </a:t>
-            </a:r>
-            <a:r>
-              <a:rPr lang="ru-RU" dirty="0" smtClean="0"/>
-              <a:t>суток (</a:t>
-            </a:r>
-            <a:r>
-              <a:rPr lang="en-US" dirty="0" smtClean="0"/>
-              <a:t>open</a:t>
-            </a:r>
-            <a:r>
-              <a:rPr lang="ru-RU" dirty="0" smtClean="0"/>
-              <a:t>)</a:t>
-            </a:r>
-            <a:r>
-              <a:rPr lang="en-US" dirty="0" smtClean="0"/>
-              <a:t> </a:t>
-            </a:r>
-            <a:endParaRPr lang="ru-RU" dirty="0" smtClean="0"/>
-          </a:p>
-          <a:p>
-            <a:r>
-              <a:rPr lang="ru-RU" dirty="0"/>
-              <a:t>Максимальное значение валюты за последние </a:t>
-            </a:r>
-            <a:r>
-              <a:rPr lang="ru-RU" dirty="0" smtClean="0"/>
-              <a:t>сутки (</a:t>
-            </a:r>
-            <a:r>
-              <a:rPr lang="en-US" dirty="0" smtClean="0"/>
-              <a:t>high</a:t>
-            </a:r>
-            <a:r>
-              <a:rPr lang="ru-RU" dirty="0" smtClean="0"/>
-              <a:t>)</a:t>
-            </a:r>
-          </a:p>
-          <a:p>
-            <a:r>
-              <a:rPr lang="ru-RU" dirty="0"/>
-              <a:t>Минимальное значение валюты за последние </a:t>
-            </a:r>
-            <a:r>
-              <a:rPr lang="ru-RU" dirty="0" smtClean="0"/>
-              <a:t>сутки (</a:t>
-            </a:r>
-            <a:r>
-              <a:rPr lang="en-US" dirty="0" smtClean="0"/>
-              <a:t>low</a:t>
-            </a:r>
-            <a:r>
-              <a:rPr lang="ru-RU" dirty="0"/>
-              <a:t>)</a:t>
-            </a:r>
-            <a:endParaRPr lang="ru-RU" dirty="0" smtClean="0"/>
-          </a:p>
-          <a:p>
-            <a:r>
-              <a:rPr lang="ru-RU" dirty="0" smtClean="0"/>
-              <a:t>Цена </a:t>
-            </a:r>
-            <a:r>
-              <a:rPr lang="ru-RU" dirty="0"/>
-              <a:t>валюты на момент </a:t>
-            </a:r>
-            <a:r>
-              <a:rPr lang="ru-RU" dirty="0" smtClean="0"/>
-              <a:t>закрытия (</a:t>
-            </a:r>
-            <a:r>
-              <a:rPr lang="en-US" dirty="0" smtClean="0"/>
-              <a:t>price</a:t>
-            </a:r>
-            <a:r>
-              <a:rPr lang="ru-RU" dirty="0" smtClean="0"/>
-              <a:t>)</a:t>
-            </a:r>
-            <a:r>
-              <a:rPr lang="en-US" dirty="0" smtClean="0"/>
-              <a:t> </a:t>
-            </a:r>
-            <a:endParaRPr lang="ru-RU" dirty="0" smtClean="0"/>
-          </a:p>
-          <a:p>
-            <a:r>
-              <a:rPr lang="ru-RU" dirty="0"/>
-              <a:t>Суммарный объем торгов за последние </a:t>
-            </a:r>
-            <a:r>
-              <a:rPr lang="ru-RU" dirty="0" smtClean="0"/>
-              <a:t>сутки (</a:t>
-            </a:r>
-            <a:r>
-              <a:rPr lang="en-US" dirty="0" smtClean="0"/>
-              <a:t>volume</a:t>
-            </a:r>
-            <a:r>
-              <a:rPr lang="ru-RU" dirty="0" smtClean="0"/>
-              <a:t>)</a:t>
-            </a:r>
-          </a:p>
-          <a:p>
-            <a:r>
-              <a:rPr lang="ru-RU" dirty="0"/>
-              <a:t>Дата последнего торгового </a:t>
-            </a:r>
-            <a:r>
-              <a:rPr lang="ru-RU" dirty="0" smtClean="0"/>
-              <a:t>дня (</a:t>
-            </a:r>
-            <a:r>
-              <a:rPr lang="en-US" dirty="0" smtClean="0"/>
-              <a:t>latest </a:t>
-            </a:r>
-            <a:r>
-              <a:rPr lang="en-US" dirty="0"/>
-              <a:t>trading </a:t>
-            </a:r>
-            <a:r>
-              <a:rPr lang="en-US" dirty="0" smtClean="0"/>
-              <a:t>day</a:t>
-            </a:r>
-            <a:r>
-              <a:rPr lang="ru-RU" dirty="0"/>
-              <a:t>)</a:t>
-            </a:r>
-            <a:endParaRPr lang="ru-RU" dirty="0" smtClean="0"/>
-          </a:p>
-          <a:p>
-            <a:r>
-              <a:rPr lang="ru-RU" dirty="0"/>
-              <a:t>Курс валюты на момент предыдущего закрытия </a:t>
-            </a:r>
-            <a:r>
-              <a:rPr lang="ru-RU" dirty="0" smtClean="0"/>
-              <a:t>торгов (</a:t>
-            </a:r>
-            <a:r>
-              <a:rPr lang="en-US" dirty="0" smtClean="0"/>
-              <a:t>previous close</a:t>
-            </a:r>
-            <a:r>
-              <a:rPr lang="ru-RU" dirty="0" smtClean="0"/>
-              <a:t>)</a:t>
-            </a:r>
-          </a:p>
-          <a:p>
-            <a:r>
-              <a:rPr lang="ru-RU" dirty="0" smtClean="0"/>
-              <a:t>Изменение </a:t>
-            </a:r>
-            <a:r>
-              <a:rPr lang="ru-RU" dirty="0"/>
-              <a:t>цены </a:t>
-            </a:r>
-            <a:r>
-              <a:rPr lang="ru-RU" dirty="0" smtClean="0"/>
-              <a:t>валюты (</a:t>
-            </a:r>
-            <a:r>
-              <a:rPr lang="en-US" dirty="0" smtClean="0"/>
-              <a:t>change</a:t>
-            </a:r>
-            <a:r>
-              <a:rPr lang="ru-RU" dirty="0"/>
-              <a:t>)</a:t>
-            </a:r>
-            <a:endParaRPr lang="ru-RU" dirty="0" smtClean="0"/>
-          </a:p>
-          <a:p>
-            <a:r>
-              <a:rPr lang="ru-RU" dirty="0"/>
-              <a:t>Разница (в %) курса между закрытиями </a:t>
-            </a:r>
-            <a:r>
-              <a:rPr lang="ru-RU" dirty="0" smtClean="0"/>
-              <a:t>торгов (</a:t>
-            </a:r>
-            <a:r>
-              <a:rPr lang="en-US" dirty="0" smtClean="0"/>
-              <a:t>change percent</a:t>
-            </a:r>
-            <a:r>
-              <a:rPr lang="ru-RU" dirty="0" smtClean="0"/>
-              <a:t>)</a:t>
-            </a:r>
-            <a:endParaRPr lang="ru-RU" dirty="0"/>
-          </a:p>
-        </p:txBody>
-      </p:sp>
-    </p:spTree>
-    <p:extLst>
-      <p:ext uri="{BB962C8B-B14F-4D97-AF65-F5344CB8AC3E}">
-        <p14:creationId xmlns:p14="http://schemas.microsoft.com/office/powerpoint/2010/main" val="2903406485"/>
-      </p:ext>
-    </p:extLst>
-  </p:cSld>
-  <p:clrMapOvr>
-    <a:masterClrMapping/>
-  </p:clrMapOvr>
-  <mc:AlternateContent xmlns:mc="http://schemas.openxmlformats.org/markup-compatibility/2006">
-    <mc:Choice xmlns:p14="http://schemas.microsoft.com/office/powerpoint/2010/main" Requires="p14">
-      <p:transition spd="med" p14:dur="700">
-        <p:fade/>
-      </p:transition>
-    </mc:Choice>
-    <mc:Fallback>
-      <p:transition spd="med">
-        <p:fade/>
-      </p:transition>
-    </mc:Fallback>
-  </mc:AlternateContent>
-  <p:timing>
-    <p:tnLst>
-      <p:par>
-        <p:cTn id="1" dur="indefinite" restart="never" nodeType="tmRoot"/>
-      </p:par>
-    </p:tnLst>
-  </p:timing>
-</p:sld>
-</file>
-
-<file path=ppt/slides/slide4.xml><?xml version="1.0" encoding="utf-8"?>
-<p:sld xmlns:a="http://schemas.openxmlformats.org/drawingml/2006/main" xmlns:r="http://schemas.openxmlformats.org/officeDocument/2006/relationships" xmlns:p="http://schemas.openxmlformats.org/presentationml/2006/main">
-  <p:cSld>
-    <p:spTree>
-      <p:nvGrpSpPr>
-        <p:cNvPr id="1" name=""/>
-        <p:cNvGrpSpPr/>
-        <p:nvPr/>
-      </p:nvGrpSpPr>
-      <p:grpSpPr>
-        <a:xfrm>
-          <a:off x="0" y="0"/>
-          <a:ext cx="0" cy="0"/>
-          <a:chOff x="0" y="0"/>
-          <a:chExt cx="0" cy="0"/>
-        </a:xfrm>
-      </p:grpSpPr>
-      <p:sp>
-        <p:nvSpPr>
-          <p:cNvPr id="2" name="Заголовок 1"/>
-          <p:cNvSpPr>
-            <a:spLocks noGrp="1"/>
-          </p:cNvSpPr>
-          <p:nvPr>
-            <p:ph type="title"/>
-          </p:nvPr>
-        </p:nvSpPr>
-        <p:spPr>
-          <a:xfrm>
-            <a:off x="646111" y="452718"/>
-            <a:ext cx="9404723" cy="975029"/>
-          </a:xfrm>
-        </p:spPr>
-        <p:txBody>
-          <a:bodyPr/>
-          <a:lstStyle/>
-          <a:p>
-            <a:r>
-              <a:rPr lang="ru-RU" dirty="0"/>
-              <a:t>План реализации</a:t>
-            </a:r>
-          </a:p>
-        </p:txBody>
-      </p:sp>
-      <p:sp>
-        <p:nvSpPr>
-          <p:cNvPr id="3" name="Объект 2"/>
-          <p:cNvSpPr>
-            <a:spLocks noGrp="1"/>
-          </p:cNvSpPr>
-          <p:nvPr>
-            <p:ph idx="1"/>
-          </p:nvPr>
-        </p:nvSpPr>
-        <p:spPr>
-          <a:xfrm>
-            <a:off x="646111" y="1186645"/>
-            <a:ext cx="8946541" cy="2040986"/>
-          </a:xfrm>
-        </p:spPr>
-        <p:txBody>
-          <a:bodyPr/>
-          <a:lstStyle/>
-          <a:p>
-            <a:pPr marL="0" indent="0">
-              <a:buNone/>
-            </a:pPr>
-            <a:r>
-              <a:rPr lang="ru-RU" u="sng" dirty="0" smtClean="0"/>
-              <a:t>Первый слой </a:t>
-            </a:r>
-            <a:r>
-              <a:rPr lang="ru-RU" u="sng" dirty="0" smtClean="0"/>
-              <a:t>данных</a:t>
-            </a:r>
-            <a:endParaRPr lang="ru-RU" dirty="0" smtClean="0"/>
-          </a:p>
-          <a:p>
-            <a:r>
-              <a:rPr lang="ru-RU" dirty="0" smtClean="0"/>
-              <a:t>Производится </a:t>
-            </a:r>
-            <a:r>
-              <a:rPr lang="ru-RU" dirty="0" err="1" smtClean="0"/>
-              <a:t>парсинг</a:t>
-            </a:r>
-            <a:r>
-              <a:rPr lang="ru-RU" dirty="0" smtClean="0"/>
-              <a:t> изменений курса для каждой анализируемой валюты </a:t>
-            </a:r>
-          </a:p>
-          <a:p>
-            <a:r>
-              <a:rPr lang="ru-RU" dirty="0" smtClean="0"/>
-              <a:t>Полученные данные записываются в соответствующую каждой валюте таблицу</a:t>
-            </a:r>
-            <a:endParaRPr lang="ru-RU" dirty="0"/>
-          </a:p>
-        </p:txBody>
-      </p:sp>
-      <p:pic>
-        <p:nvPicPr>
-          <p:cNvPr id="4" name="Рисунок 3"/>
-          <p:cNvPicPr>
-            <a:picLocks noChangeAspect="1"/>
-          </p:cNvPicPr>
-          <p:nvPr/>
-        </p:nvPicPr>
-        <p:blipFill>
-          <a:blip r:embed="rId2">
-            <a:extLst>
-              <a:ext uri="{28A0092B-C50C-407E-A947-70E740481C1C}">
-                <a14:useLocalDpi xmlns:a14="http://schemas.microsoft.com/office/drawing/2010/main" val="0"/>
-              </a:ext>
-            </a:extLst>
-          </a:blip>
-          <a:stretch>
-            <a:fillRect/>
-          </a:stretch>
-        </p:blipFill>
-        <p:spPr>
-          <a:xfrm>
-            <a:off x="795671" y="3067208"/>
-            <a:ext cx="10116800" cy="2989741"/>
-          </a:xfrm>
-          <a:prstGeom prst="rect">
-            <a:avLst/>
-          </a:prstGeom>
-        </p:spPr>
-      </p:pic>
-      <p:sp>
-        <p:nvSpPr>
-          <p:cNvPr id="6" name="Объект 2"/>
-          <p:cNvSpPr txBox="1">
-            <a:spLocks/>
-          </p:cNvSpPr>
-          <p:nvPr/>
-        </p:nvSpPr>
-        <p:spPr>
-          <a:xfrm>
-            <a:off x="795671" y="6056950"/>
-            <a:ext cx="10305466" cy="584482"/>
+            <a:off x="646111" y="2175466"/>
+            <a:ext cx="10161226" cy="2413952"/>
           </a:xfrm>
           <a:prstGeom prst="rect">
             <a:avLst/>
@@ -7357,35 +7000,36 @@
             </a:lvl9pPr>
           </a:lstStyle>
           <a:p>
-            <a:pPr marL="0" indent="0">
-              <a:buFont typeface="Wingdings 3" charset="2"/>
-              <a:buNone/>
-            </a:pPr>
-            <a:r>
-              <a:rPr lang="ru-RU" sz="1800" dirty="0" smtClean="0"/>
-              <a:t>Создание и заполнение таблицы сведений о курсе валюты на примере доллара США</a:t>
-            </a:r>
-            <a:endParaRPr lang="ru-RU" sz="1800" dirty="0"/>
+            <a:r>
+              <a:rPr lang="ru-RU" dirty="0"/>
+              <a:t>В результате работы создается база данных, накапливающая с течением времени сведения об изменении курса интересующих валют (акций)</a:t>
+            </a:r>
+          </a:p>
+          <a:p>
+            <a:r>
+              <a:rPr lang="ru-RU" dirty="0"/>
+              <a:t>Формируется общая витрина данных, содержащая актуальную информацию о курсе валют (акций) из базы данных в одной наглядной таблице, упрощающей работу аналитиков по изучению и сравнению истории цен исследуемых валют (акций)</a:t>
+            </a:r>
           </a:p>
         </p:txBody>
       </p:sp>
     </p:spTree>
     <p:extLst>
       <p:ext uri="{BB962C8B-B14F-4D97-AF65-F5344CB8AC3E}">
-        <p14:creationId xmlns:p14="http://schemas.microsoft.com/office/powerpoint/2010/main" val="2679011938"/>
+        <p14:creationId xmlns:p14="http://schemas.microsoft.com/office/powerpoint/2010/main" val="341448785"/>
       </p:ext>
     </p:extLst>
   </p:cSld>
   <p:clrMapOvr>
     <a:masterClrMapping/>
   </p:clrMapOvr>
-  <mc:AlternateContent xmlns:mc="http://schemas.openxmlformats.org/markup-compatibility/2006">
-    <mc:Choice xmlns:p14="http://schemas.microsoft.com/office/powerpoint/2010/main" Requires="p14">
+  <mc:AlternateContent xmlns:mc="http://schemas.openxmlformats.org/markup-compatibility/2006" xmlns:p14="http://schemas.microsoft.com/office/powerpoint/2010/main">
+    <mc:Choice Requires="p14">
       <p:transition spd="med" p14:dur="700">
         <p:fade/>
       </p:transition>
     </mc:Choice>
-    <mc:Fallback>
+    <mc:Fallback xmlns="">
       <p:transition spd="med">
         <p:fade/>
       </p:transition>
@@ -7401,7 +7045,7 @@
 </p:sld>
 </file>
 
-<file path=ppt/slides/slide5.xml><?xml version="1.0" encoding="utf-8"?>
+<file path=ppt/slides/slide12.xml><?xml version="1.0" encoding="utf-8"?>
 <p:sld xmlns:a="http://schemas.openxmlformats.org/drawingml/2006/main" xmlns:r="http://schemas.openxmlformats.org/officeDocument/2006/relationships" xmlns:p="http://schemas.openxmlformats.org/presentationml/2006/main">
   <p:cSld>
     <p:spTree>
@@ -7431,7 +7075,7 @@
         <p:spPr>
           <a:xfrm>
             <a:off x="646111" y="452718"/>
-            <a:ext cx="9404723" cy="975029"/>
+            <a:ext cx="9404723" cy="781722"/>
           </a:xfrm>
         </p:spPr>
         <p:txBody>
@@ -7440,7 +7084,7 @@
           <a:p>
             <a:r>
               <a:rPr lang="ru-RU" dirty="0"/>
-              <a:t>План реализации</a:t>
+              <a:t>Результат работы</a:t>
             </a:r>
           </a:p>
         </p:txBody>
@@ -7448,116 +7092,15 @@
       <p:sp>
         <p:nvSpPr>
           <p:cNvPr id="4" name="Объект 2"/>
-          <p:cNvSpPr>
-            <a:spLocks noGrp="1"/>
-          </p:cNvSpPr>
-          <p:nvPr>
-            <p:ph idx="1"/>
-          </p:nvPr>
+          <p:cNvSpPr txBox="1">
+            <a:spLocks/>
+          </p:cNvSpPr>
+          <p:nvPr/>
         </p:nvSpPr>
         <p:spPr>
           <a:xfrm>
-            <a:off x="646111" y="1186645"/>
-            <a:ext cx="8946541" cy="2040986"/>
-          </a:xfrm>
-        </p:spPr>
-        <p:txBody>
-          <a:bodyPr>
-            <a:normAutofit/>
-          </a:bodyPr>
-          <a:lstStyle/>
-          <a:p>
-            <a:pPr marL="0" indent="0">
-              <a:buNone/>
-            </a:pPr>
-            <a:r>
-              <a:rPr lang="ru-RU" u="sng" dirty="0" smtClean="0"/>
-              <a:t>Второй слой данных</a:t>
-            </a:r>
-            <a:endParaRPr lang="ru-RU" dirty="0" smtClean="0"/>
-          </a:p>
-          <a:p>
-            <a:r>
-              <a:rPr lang="ru-RU" dirty="0" smtClean="0"/>
-              <a:t>Создаётся общая связующая таблица </a:t>
-            </a:r>
-            <a:r>
-              <a:rPr lang="ru-RU" dirty="0" smtClean="0"/>
-              <a:t>для всех валют вида:</a:t>
-            </a:r>
-          </a:p>
-          <a:p>
-            <a:pPr marL="0" indent="0">
-              <a:buNone/>
-            </a:pPr>
-            <a:r>
-              <a:rPr lang="ru-RU" dirty="0" smtClean="0"/>
-              <a:t>«</a:t>
-            </a:r>
-            <a:r>
-              <a:rPr lang="en-US" dirty="0" smtClean="0"/>
-              <a:t>Id </a:t>
-            </a:r>
-            <a:r>
-              <a:rPr lang="ru-RU" dirty="0" smtClean="0"/>
-              <a:t>валюты», «наименование валюты»</a:t>
-            </a:r>
-          </a:p>
-          <a:p>
-            <a:r>
-              <a:rPr lang="ru-RU" dirty="0" smtClean="0"/>
-              <a:t>Формируются связи </a:t>
-            </a:r>
-            <a:r>
-              <a:rPr lang="ru-RU" dirty="0" smtClean="0"/>
-              <a:t>между таблицами по первичному и вторичному ключам</a:t>
-            </a:r>
-            <a:endParaRPr lang="ru-RU" dirty="0"/>
-          </a:p>
-        </p:txBody>
-      </p:sp>
-      <p:pic>
-        <p:nvPicPr>
-          <p:cNvPr id="5" name="Рисунок 4"/>
-          <p:cNvPicPr>
-            <a:picLocks noChangeAspect="1"/>
-          </p:cNvPicPr>
-          <p:nvPr/>
-        </p:nvPicPr>
-        <p:blipFill>
-          <a:blip r:embed="rId2">
-            <a:extLst>
-              <a:ext uri="{28A0092B-C50C-407E-A947-70E740481C1C}">
-                <a14:useLocalDpi xmlns:a14="http://schemas.microsoft.com/office/drawing/2010/main" val="0"/>
-              </a:ext>
-            </a:extLst>
-          </a:blip>
-          <a:stretch>
-            <a:fillRect/>
-          </a:stretch>
-        </p:blipFill>
-        <p:spPr>
-          <a:xfrm>
-            <a:off x="1073306" y="3704781"/>
-            <a:ext cx="9451076" cy="2207789"/>
-          </a:xfrm>
-          <a:prstGeom prst="rect">
-            <a:avLst/>
-          </a:prstGeom>
-        </p:spPr>
-      </p:pic>
-      <p:sp>
-        <p:nvSpPr>
-          <p:cNvPr id="6" name="Объект 2"/>
-          <p:cNvSpPr txBox="1">
-            <a:spLocks/>
-          </p:cNvSpPr>
-          <p:nvPr/>
-        </p:nvSpPr>
-        <p:spPr>
-          <a:xfrm>
-            <a:off x="1705651" y="5912570"/>
-            <a:ext cx="8818731" cy="584482"/>
+            <a:off x="518095" y="1234440"/>
+            <a:ext cx="10161226" cy="5267750"/>
           </a:xfrm>
           <a:prstGeom prst="rect">
             <a:avLst/>
@@ -7796,42 +7339,104 @@
           </a:lstStyle>
           <a:p>
             <a:pPr marL="0" indent="0">
-              <a:buFont typeface="Wingdings 3" charset="2"/>
               <a:buNone/>
             </a:pPr>
             <a:r>
-              <a:rPr lang="ru-RU" sz="1800" dirty="0" smtClean="0"/>
-              <a:t>Создание общей таблицы «</a:t>
-            </a:r>
-            <a:r>
-              <a:rPr lang="en-US" sz="1800" dirty="0" smtClean="0"/>
-              <a:t>Currencies</a:t>
-            </a:r>
-            <a:r>
-              <a:rPr lang="ru-RU" sz="1800" dirty="0" smtClean="0"/>
-              <a:t>», назначение первичного ключа</a:t>
-            </a:r>
-            <a:endParaRPr lang="ru-RU" sz="1800" dirty="0"/>
+              <a:rPr lang="ru-RU" u="sng" dirty="0" smtClean="0"/>
+              <a:t>Содержание витрины данных:</a:t>
+            </a:r>
+          </a:p>
+          <a:p>
+            <a:r>
+              <a:rPr lang="ru-RU" dirty="0"/>
+              <a:t>Суррогатный ключ категории</a:t>
+            </a:r>
+          </a:p>
+          <a:p>
+            <a:r>
+              <a:rPr lang="ru-RU" dirty="0"/>
+              <a:t>Название валюты</a:t>
+            </a:r>
+          </a:p>
+          <a:p>
+            <a:r>
+              <a:rPr lang="ru-RU" dirty="0"/>
+              <a:t>Курс валюты на момент открытия торгов для данных суток</a:t>
+            </a:r>
+          </a:p>
+          <a:p>
+            <a:r>
+              <a:rPr lang="ru-RU" dirty="0"/>
+              <a:t>Максимальное значение валюты за последние сутки</a:t>
+            </a:r>
+          </a:p>
+          <a:p>
+            <a:r>
+              <a:rPr lang="ru-RU" dirty="0"/>
+              <a:t>Минимальное значение валюты за последние сутки</a:t>
+            </a:r>
+          </a:p>
+          <a:p>
+            <a:r>
+              <a:rPr lang="ru-RU" dirty="0"/>
+              <a:t>Цена валюты на момент закрытия</a:t>
+            </a:r>
+          </a:p>
+          <a:p>
+            <a:r>
+              <a:rPr lang="ru-RU" dirty="0"/>
+              <a:t>Суммарный объем торгов за последние сутки</a:t>
+            </a:r>
+          </a:p>
+          <a:p>
+            <a:r>
+              <a:rPr lang="ru-RU" dirty="0"/>
+              <a:t>Дата последнего торгового дня</a:t>
+            </a:r>
+          </a:p>
+          <a:p>
+            <a:r>
+              <a:rPr lang="ru-RU" dirty="0"/>
+              <a:t>Курс валюты на момент предыдущего закрытия торгов</a:t>
+            </a:r>
+          </a:p>
+          <a:p>
+            <a:r>
+              <a:rPr lang="ru-RU" dirty="0"/>
+              <a:t>Изменение цены валюты</a:t>
+            </a:r>
+          </a:p>
+          <a:p>
+            <a:r>
+              <a:rPr lang="ru-RU" dirty="0"/>
+              <a:t>Разница (в %) курса между закрытиями торгов</a:t>
+            </a:r>
+          </a:p>
+          <a:p>
+            <a:pPr marL="0" indent="0">
+              <a:buNone/>
+            </a:pPr>
+            <a:endParaRPr lang="ru-RU" u="sng" dirty="0"/>
           </a:p>
         </p:txBody>
       </p:sp>
     </p:spTree>
     <p:extLst>
       <p:ext uri="{BB962C8B-B14F-4D97-AF65-F5344CB8AC3E}">
-        <p14:creationId xmlns:p14="http://schemas.microsoft.com/office/powerpoint/2010/main" val="2785932240"/>
+        <p14:creationId xmlns:p14="http://schemas.microsoft.com/office/powerpoint/2010/main" val="1061144162"/>
       </p:ext>
     </p:extLst>
   </p:cSld>
   <p:clrMapOvr>
     <a:masterClrMapping/>
   </p:clrMapOvr>
-  <mc:AlternateContent xmlns:mc="http://schemas.openxmlformats.org/markup-compatibility/2006">
-    <mc:Choice xmlns:p14="http://schemas.microsoft.com/office/powerpoint/2010/main" Requires="p14">
+  <mc:AlternateContent xmlns:mc="http://schemas.openxmlformats.org/markup-compatibility/2006" xmlns:p14="http://schemas.microsoft.com/office/powerpoint/2010/main">
+    <mc:Choice Requires="p14">
       <p:transition spd="med" p14:dur="700">
         <p:fade/>
       </p:transition>
     </mc:Choice>
-    <mc:Fallback>
+    <mc:Fallback xmlns="">
       <p:transition spd="med">
         <p:fade/>
       </p:transition>
@@ -7847,7 +7452,7 @@
 </p:sld>
 </file>
 
-<file path=ppt/slides/slide6.xml><?xml version="1.0" encoding="utf-8"?>
+<file path=ppt/slides/slide13.xml><?xml version="1.0" encoding="utf-8"?>
 <p:sld xmlns:a="http://schemas.openxmlformats.org/drawingml/2006/main" xmlns:r="http://schemas.openxmlformats.org/officeDocument/2006/relationships" xmlns:p="http://schemas.openxmlformats.org/presentationml/2006/main">
   <p:cSld>
     <p:spTree>
@@ -7874,12 +7479,553 @@
             <p:ph type="title"/>
           </p:nvPr>
         </p:nvSpPr>
-        <p:spPr/>
+        <p:spPr>
+          <a:xfrm>
+            <a:off x="2474912" y="3176868"/>
+            <a:ext cx="7650164" cy="871257"/>
+          </a:xfrm>
+        </p:spPr>
         <p:txBody>
           <a:bodyPr/>
           <a:lstStyle/>
           <a:p>
             <a:r>
+              <a:rPr lang="ru-RU" dirty="0" smtClean="0"/>
+              <a:t>СПАСИБО ЗА ВНИМАНИЕ!</a:t>
+            </a:r>
+            <a:endParaRPr lang="ru-RU" dirty="0"/>
+          </a:p>
+        </p:txBody>
+      </p:sp>
+    </p:spTree>
+    <p:extLst>
+      <p:ext uri="{BB962C8B-B14F-4D97-AF65-F5344CB8AC3E}">
+        <p14:creationId xmlns:p14="http://schemas.microsoft.com/office/powerpoint/2010/main" val="4046753189"/>
+      </p:ext>
+    </p:extLst>
+  </p:cSld>
+  <p:clrMapOvr>
+    <a:masterClrMapping/>
+  </p:clrMapOvr>
+  <mc:AlternateContent xmlns:mc="http://schemas.openxmlformats.org/markup-compatibility/2006" xmlns:p14="http://schemas.microsoft.com/office/powerpoint/2010/main">
+    <mc:Choice Requires="p14">
+      <p:transition spd="med" p14:dur="700">
+        <p:fade/>
+      </p:transition>
+    </mc:Choice>
+    <mc:Fallback xmlns="">
+      <p:transition spd="med">
+        <p:fade/>
+      </p:transition>
+    </mc:Fallback>
+  </mc:AlternateContent>
+  <p:timing>
+    <p:tnLst>
+      <p:par>
+        <p:cTn id="1" dur="indefinite" restart="never" nodeType="tmRoot"/>
+      </p:par>
+    </p:tnLst>
+  </p:timing>
+</p:sld>
+</file>
+
+<file path=ppt/slides/slide2.xml><?xml version="1.0" encoding="utf-8"?>
+<p:sld xmlns:a="http://schemas.openxmlformats.org/drawingml/2006/main" xmlns:r="http://schemas.openxmlformats.org/officeDocument/2006/relationships" xmlns:p="http://schemas.openxmlformats.org/presentationml/2006/main">
+  <p:cSld>
+    <p:spTree>
+      <p:nvGrpSpPr>
+        <p:cNvPr id="1" name=""/>
+        <p:cNvGrpSpPr/>
+        <p:nvPr/>
+      </p:nvGrpSpPr>
+      <p:grpSpPr>
+        <a:xfrm>
+          <a:off x="0" y="0"/>
+          <a:ext cx="0" cy="0"/>
+          <a:chOff x="0" y="0"/>
+          <a:chExt cx="0" cy="0"/>
+        </a:xfrm>
+      </p:grpSpPr>
+      <p:sp>
+        <p:nvSpPr>
+          <p:cNvPr id="2" name="Заголовок 1"/>
+          <p:cNvSpPr>
+            <a:spLocks noGrp="1"/>
+          </p:cNvSpPr>
+          <p:nvPr>
+            <p:ph type="title"/>
+          </p:nvPr>
+        </p:nvSpPr>
+        <p:spPr/>
+        <p:txBody>
+          <a:bodyPr/>
+          <a:lstStyle/>
+          <a:p>
+            <a:r>
+              <a:rPr lang="ru-RU" dirty="0" smtClean="0"/>
+              <a:t>Цель проекта</a:t>
+            </a:r>
+            <a:endParaRPr lang="ru-RU" dirty="0"/>
+          </a:p>
+        </p:txBody>
+      </p:sp>
+      <p:sp>
+        <p:nvSpPr>
+          <p:cNvPr id="3" name="Объект 2"/>
+          <p:cNvSpPr>
+            <a:spLocks noGrp="1"/>
+          </p:cNvSpPr>
+          <p:nvPr>
+            <p:ph idx="1"/>
+          </p:nvPr>
+        </p:nvSpPr>
+        <p:spPr/>
+        <p:txBody>
+          <a:bodyPr/>
+          <a:lstStyle/>
+          <a:p>
+            <a:r>
+              <a:rPr lang="ru-RU" dirty="0" smtClean="0"/>
+              <a:t>Создать базу данных изменения курса валют на </a:t>
+            </a:r>
+            <a:r>
+              <a:rPr lang="ru-RU" dirty="0"/>
+              <a:t>основании </a:t>
+            </a:r>
+            <a:r>
+              <a:rPr lang="ru-RU" dirty="0" smtClean="0"/>
+              <a:t>сведений предоставляемых официальным источником</a:t>
+            </a:r>
+          </a:p>
+          <a:p>
+            <a:r>
+              <a:rPr lang="ru-RU" dirty="0" smtClean="0"/>
+              <a:t>Организовать хранение и систематическую актуализацию этих сведений</a:t>
+            </a:r>
+          </a:p>
+          <a:p>
+            <a:r>
+              <a:rPr lang="ru-RU" dirty="0"/>
+              <a:t>С</a:t>
+            </a:r>
+            <a:r>
+              <a:rPr lang="ru-RU" dirty="0" smtClean="0"/>
+              <a:t>оздать витрину данных, которая позволит анализировать изменение курса интересующих валют по требуемым критериям</a:t>
+            </a:r>
+            <a:endParaRPr lang="ru-RU" dirty="0"/>
+          </a:p>
+        </p:txBody>
+      </p:sp>
+    </p:spTree>
+    <p:extLst>
+      <p:ext uri="{BB962C8B-B14F-4D97-AF65-F5344CB8AC3E}">
+        <p14:creationId xmlns:p14="http://schemas.microsoft.com/office/powerpoint/2010/main" val="486297704"/>
+      </p:ext>
+    </p:extLst>
+  </p:cSld>
+  <p:clrMapOvr>
+    <a:masterClrMapping/>
+  </p:clrMapOvr>
+  <mc:AlternateContent xmlns:mc="http://schemas.openxmlformats.org/markup-compatibility/2006" xmlns:p14="http://schemas.microsoft.com/office/powerpoint/2010/main">
+    <mc:Choice Requires="p14">
+      <p:transition spd="med" p14:dur="700">
+        <p:fade/>
+      </p:transition>
+    </mc:Choice>
+    <mc:Fallback xmlns="">
+      <p:transition spd="med">
+        <p:fade/>
+      </p:transition>
+    </mc:Fallback>
+  </mc:AlternateContent>
+  <p:timing>
+    <p:tnLst>
+      <p:par>
+        <p:cTn id="1" dur="indefinite" restart="never" nodeType="tmRoot"/>
+      </p:par>
+    </p:tnLst>
+  </p:timing>
+</p:sld>
+</file>
+
+<file path=ppt/slides/slide3.xml><?xml version="1.0" encoding="utf-8"?>
+<p:sld xmlns:a="http://schemas.openxmlformats.org/drawingml/2006/main" xmlns:r="http://schemas.openxmlformats.org/officeDocument/2006/relationships" xmlns:p="http://schemas.openxmlformats.org/presentationml/2006/main">
+  <p:cSld>
+    <p:spTree>
+      <p:nvGrpSpPr>
+        <p:cNvPr id="1" name=""/>
+        <p:cNvGrpSpPr/>
+        <p:nvPr/>
+      </p:nvGrpSpPr>
+      <p:grpSpPr>
+        <a:xfrm>
+          <a:off x="0" y="0"/>
+          <a:ext cx="0" cy="0"/>
+          <a:chOff x="0" y="0"/>
+          <a:chExt cx="0" cy="0"/>
+        </a:xfrm>
+      </p:grpSpPr>
+      <p:sp>
+        <p:nvSpPr>
+          <p:cNvPr id="2" name="Заголовок 1"/>
+          <p:cNvSpPr>
+            <a:spLocks noGrp="1"/>
+          </p:cNvSpPr>
+          <p:nvPr>
+            <p:ph type="title"/>
+          </p:nvPr>
+        </p:nvSpPr>
+        <p:spPr>
+          <a:xfrm>
+            <a:off x="646111" y="228128"/>
+            <a:ext cx="9404723" cy="1400530"/>
+          </a:xfrm>
+        </p:spPr>
+        <p:txBody>
+          <a:bodyPr/>
+          <a:lstStyle/>
+          <a:p>
+            <a:r>
+              <a:rPr lang="ru-RU" dirty="0" smtClean="0"/>
+              <a:t>Необходимая витрина</a:t>
+            </a:r>
+            <a:endParaRPr lang="ru-RU" dirty="0"/>
+          </a:p>
+        </p:txBody>
+      </p:sp>
+      <p:sp>
+        <p:nvSpPr>
+          <p:cNvPr id="3" name="Объект 2"/>
+          <p:cNvSpPr>
+            <a:spLocks noGrp="1"/>
+          </p:cNvSpPr>
+          <p:nvPr>
+            <p:ph idx="1"/>
+          </p:nvPr>
+        </p:nvSpPr>
+        <p:spPr>
+          <a:xfrm>
+            <a:off x="646111" y="1219200"/>
+            <a:ext cx="11149263" cy="5165558"/>
+          </a:xfrm>
+        </p:spPr>
+        <p:txBody>
+          <a:bodyPr>
+            <a:normAutofit fontScale="92500" lnSpcReduction="10000"/>
+          </a:bodyPr>
+          <a:lstStyle/>
+          <a:p>
+            <a:pPr marL="0" indent="0">
+              <a:buNone/>
+            </a:pPr>
+            <a:r>
+              <a:rPr lang="ru-RU" dirty="0"/>
+              <a:t>Информация об изменении </a:t>
+            </a:r>
+            <a:r>
+              <a:rPr lang="ru-RU" dirty="0" smtClean="0"/>
+              <a:t>курса для трех наименований валют (акций):</a:t>
+            </a:r>
+            <a:br>
+              <a:rPr lang="ru-RU" dirty="0" smtClean="0"/>
+            </a:br>
+            <a:r>
+              <a:rPr lang="ru-RU" dirty="0" smtClean="0"/>
+              <a:t>доллара </a:t>
+            </a:r>
+            <a:r>
+              <a:rPr lang="ru-RU" dirty="0"/>
+              <a:t>США, китайского юаня и акций </a:t>
+            </a:r>
+            <a:r>
+              <a:rPr lang="ru-RU" dirty="0" smtClean="0"/>
+              <a:t>IBM по следующим позициям</a:t>
+            </a:r>
+          </a:p>
+          <a:p>
+            <a:pPr marL="0" indent="0">
+              <a:buNone/>
+            </a:pPr>
+            <a:endParaRPr lang="ru-RU" dirty="0" smtClean="0"/>
+          </a:p>
+          <a:p>
+            <a:r>
+              <a:rPr lang="ru-RU" dirty="0" smtClean="0"/>
+              <a:t>Название валюты (</a:t>
+            </a:r>
+            <a:r>
+              <a:rPr lang="en-US" dirty="0" smtClean="0"/>
+              <a:t>symbol</a:t>
+            </a:r>
+            <a:r>
+              <a:rPr lang="ru-RU" dirty="0" smtClean="0"/>
+              <a:t>)</a:t>
+            </a:r>
+          </a:p>
+          <a:p>
+            <a:r>
+              <a:rPr lang="ru-RU" dirty="0"/>
+              <a:t>Курс валюты на момент открытия торгов для данных </a:t>
+            </a:r>
+            <a:r>
+              <a:rPr lang="ru-RU" dirty="0" smtClean="0"/>
+              <a:t>суток (</a:t>
+            </a:r>
+            <a:r>
+              <a:rPr lang="en-US" dirty="0" smtClean="0"/>
+              <a:t>open</a:t>
+            </a:r>
+            <a:r>
+              <a:rPr lang="ru-RU" dirty="0" smtClean="0"/>
+              <a:t>)</a:t>
+            </a:r>
+            <a:r>
+              <a:rPr lang="en-US" dirty="0" smtClean="0"/>
+              <a:t> </a:t>
+            </a:r>
+            <a:endParaRPr lang="ru-RU" dirty="0" smtClean="0"/>
+          </a:p>
+          <a:p>
+            <a:r>
+              <a:rPr lang="ru-RU" dirty="0"/>
+              <a:t>Максимальное значение валюты за последние </a:t>
+            </a:r>
+            <a:r>
+              <a:rPr lang="ru-RU" dirty="0" smtClean="0"/>
+              <a:t>сутки (</a:t>
+            </a:r>
+            <a:r>
+              <a:rPr lang="en-US" dirty="0" smtClean="0"/>
+              <a:t>high</a:t>
+            </a:r>
+            <a:r>
+              <a:rPr lang="ru-RU" dirty="0" smtClean="0"/>
+              <a:t>)</a:t>
+            </a:r>
+          </a:p>
+          <a:p>
+            <a:r>
+              <a:rPr lang="ru-RU" dirty="0"/>
+              <a:t>Минимальное значение валюты за последние </a:t>
+            </a:r>
+            <a:r>
+              <a:rPr lang="ru-RU" dirty="0" smtClean="0"/>
+              <a:t>сутки (</a:t>
+            </a:r>
+            <a:r>
+              <a:rPr lang="en-US" dirty="0" smtClean="0"/>
+              <a:t>low</a:t>
+            </a:r>
+            <a:r>
+              <a:rPr lang="ru-RU" dirty="0"/>
+              <a:t>)</a:t>
+            </a:r>
+            <a:endParaRPr lang="ru-RU" dirty="0" smtClean="0"/>
+          </a:p>
+          <a:p>
+            <a:r>
+              <a:rPr lang="ru-RU" dirty="0" smtClean="0"/>
+              <a:t>Цена </a:t>
+            </a:r>
+            <a:r>
+              <a:rPr lang="ru-RU" dirty="0"/>
+              <a:t>валюты на момент </a:t>
+            </a:r>
+            <a:r>
+              <a:rPr lang="ru-RU" dirty="0" smtClean="0"/>
+              <a:t>закрытия (</a:t>
+            </a:r>
+            <a:r>
+              <a:rPr lang="en-US" dirty="0" smtClean="0"/>
+              <a:t>price</a:t>
+            </a:r>
+            <a:r>
+              <a:rPr lang="ru-RU" dirty="0" smtClean="0"/>
+              <a:t>)</a:t>
+            </a:r>
+            <a:r>
+              <a:rPr lang="en-US" dirty="0" smtClean="0"/>
+              <a:t> </a:t>
+            </a:r>
+            <a:endParaRPr lang="ru-RU" dirty="0" smtClean="0"/>
+          </a:p>
+          <a:p>
+            <a:r>
+              <a:rPr lang="ru-RU" dirty="0"/>
+              <a:t>Суммарный объем торгов за последние </a:t>
+            </a:r>
+            <a:r>
+              <a:rPr lang="ru-RU" dirty="0" smtClean="0"/>
+              <a:t>сутки (</a:t>
+            </a:r>
+            <a:r>
+              <a:rPr lang="en-US" dirty="0" smtClean="0"/>
+              <a:t>volume</a:t>
+            </a:r>
+            <a:r>
+              <a:rPr lang="ru-RU" dirty="0" smtClean="0"/>
+              <a:t>)</a:t>
+            </a:r>
+          </a:p>
+          <a:p>
+            <a:r>
+              <a:rPr lang="ru-RU" dirty="0"/>
+              <a:t>Дата последнего торгового </a:t>
+            </a:r>
+            <a:r>
+              <a:rPr lang="ru-RU" dirty="0" smtClean="0"/>
+              <a:t>дня (</a:t>
+            </a:r>
+            <a:r>
+              <a:rPr lang="en-US" dirty="0" smtClean="0"/>
+              <a:t>latest </a:t>
+            </a:r>
+            <a:r>
+              <a:rPr lang="en-US" dirty="0"/>
+              <a:t>trading </a:t>
+            </a:r>
+            <a:r>
+              <a:rPr lang="en-US" dirty="0" smtClean="0"/>
+              <a:t>day</a:t>
+            </a:r>
+            <a:r>
+              <a:rPr lang="ru-RU" dirty="0"/>
+              <a:t>)</a:t>
+            </a:r>
+            <a:endParaRPr lang="ru-RU" dirty="0" smtClean="0"/>
+          </a:p>
+          <a:p>
+            <a:r>
+              <a:rPr lang="ru-RU" dirty="0"/>
+              <a:t>Курс валюты на момент предыдущего закрытия </a:t>
+            </a:r>
+            <a:r>
+              <a:rPr lang="ru-RU" dirty="0" smtClean="0"/>
+              <a:t>торгов (</a:t>
+            </a:r>
+            <a:r>
+              <a:rPr lang="en-US" dirty="0" smtClean="0"/>
+              <a:t>previous close</a:t>
+            </a:r>
+            <a:r>
+              <a:rPr lang="ru-RU" dirty="0" smtClean="0"/>
+              <a:t>)</a:t>
+            </a:r>
+          </a:p>
+          <a:p>
+            <a:r>
+              <a:rPr lang="ru-RU" dirty="0" smtClean="0"/>
+              <a:t>Изменение </a:t>
+            </a:r>
+            <a:r>
+              <a:rPr lang="ru-RU" dirty="0"/>
+              <a:t>цены </a:t>
+            </a:r>
+            <a:r>
+              <a:rPr lang="ru-RU" dirty="0" smtClean="0"/>
+              <a:t>валюты (</a:t>
+            </a:r>
+            <a:r>
+              <a:rPr lang="en-US" dirty="0" smtClean="0"/>
+              <a:t>change</a:t>
+            </a:r>
+            <a:r>
+              <a:rPr lang="ru-RU" dirty="0"/>
+              <a:t>)</a:t>
+            </a:r>
+            <a:endParaRPr lang="ru-RU" dirty="0" smtClean="0"/>
+          </a:p>
+          <a:p>
+            <a:r>
+              <a:rPr lang="ru-RU" dirty="0"/>
+              <a:t>Разница (в %) курса между закрытиями </a:t>
+            </a:r>
+            <a:r>
+              <a:rPr lang="ru-RU" dirty="0" smtClean="0"/>
+              <a:t>торгов (</a:t>
+            </a:r>
+            <a:r>
+              <a:rPr lang="en-US" dirty="0" smtClean="0"/>
+              <a:t>change percent</a:t>
+            </a:r>
+            <a:r>
+              <a:rPr lang="ru-RU" dirty="0" smtClean="0"/>
+              <a:t>)</a:t>
+            </a:r>
+            <a:endParaRPr lang="ru-RU" dirty="0"/>
+          </a:p>
+        </p:txBody>
+      </p:sp>
+    </p:spTree>
+    <p:extLst>
+      <p:ext uri="{BB962C8B-B14F-4D97-AF65-F5344CB8AC3E}">
+        <p14:creationId xmlns:p14="http://schemas.microsoft.com/office/powerpoint/2010/main" val="2903406485"/>
+      </p:ext>
+    </p:extLst>
+  </p:cSld>
+  <p:clrMapOvr>
+    <a:masterClrMapping/>
+  </p:clrMapOvr>
+  <mc:AlternateContent xmlns:mc="http://schemas.openxmlformats.org/markup-compatibility/2006" xmlns:p14="http://schemas.microsoft.com/office/powerpoint/2010/main">
+    <mc:Choice Requires="p14">
+      <p:transition spd="med" p14:dur="700">
+        <p:fade/>
+      </p:transition>
+    </mc:Choice>
+    <mc:Fallback xmlns="">
+      <p:transition spd="med">
+        <p:fade/>
+      </p:transition>
+    </mc:Fallback>
+  </mc:AlternateContent>
+  <p:timing>
+    <p:tnLst>
+      <p:par>
+        <p:cTn id="1" dur="indefinite" restart="never" nodeType="tmRoot"/>
+      </p:par>
+    </p:tnLst>
+  </p:timing>
+</p:sld>
+</file>
+
+<file path=ppt/slides/slide4.xml><?xml version="1.0" encoding="utf-8"?>
+<p:sld xmlns:a="http://schemas.openxmlformats.org/drawingml/2006/main" xmlns:r="http://schemas.openxmlformats.org/officeDocument/2006/relationships" xmlns:p="http://schemas.openxmlformats.org/presentationml/2006/main">
+  <p:cSld>
+    <p:spTree>
+      <p:nvGrpSpPr>
+        <p:cNvPr id="1" name=""/>
+        <p:cNvGrpSpPr/>
+        <p:nvPr/>
+      </p:nvGrpSpPr>
+      <p:grpSpPr>
+        <a:xfrm>
+          <a:off x="0" y="0"/>
+          <a:ext cx="0" cy="0"/>
+          <a:chOff x="0" y="0"/>
+          <a:chExt cx="0" cy="0"/>
+        </a:xfrm>
+      </p:grpSpPr>
+      <p:sp>
+        <p:nvSpPr>
+          <p:cNvPr id="2" name="Заголовок 1"/>
+          <p:cNvSpPr>
+            <a:spLocks noGrp="1"/>
+          </p:cNvSpPr>
+          <p:nvPr>
+            <p:ph type="title"/>
+          </p:nvPr>
+        </p:nvSpPr>
+        <p:spPr>
+          <a:xfrm>
+            <a:off x="646111" y="452718"/>
+            <a:ext cx="9404723" cy="975029"/>
+          </a:xfrm>
+        </p:spPr>
+        <p:txBody>
+          <a:bodyPr/>
+          <a:lstStyle/>
+          <a:p>
+            <a:r>
               <a:rPr lang="ru-RU" dirty="0"/>
               <a:t>План реализации</a:t>
             </a:r>
@@ -7898,8 +8044,8 @@
         </p:nvSpPr>
         <p:spPr>
           <a:xfrm>
-            <a:off x="550862" y="1357594"/>
-            <a:ext cx="8946541" cy="1318932"/>
+            <a:off x="646111" y="1186645"/>
+            <a:ext cx="4474529" cy="5086873"/>
           </a:xfrm>
         </p:spPr>
         <p:txBody>
@@ -7911,80 +8057,65 @@
             </a:pPr>
             <a:r>
               <a:rPr lang="ru-RU" u="sng" dirty="0" smtClean="0"/>
-              <a:t>Формирование витрины</a:t>
-            </a:r>
+              <a:t>Подготовка к работе</a:t>
+            </a:r>
+            <a:endParaRPr lang="ru-RU" dirty="0" smtClean="0"/>
           </a:p>
           <a:p>
             <a:r>
               <a:rPr lang="ru-RU" dirty="0" smtClean="0"/>
-              <a:t>Составляется </a:t>
+              <a:t>Командой </a:t>
+            </a:r>
+            <a:r>
+              <a:rPr lang="en-US" dirty="0" err="1" smtClean="0"/>
+              <a:t>docker</a:t>
             </a:r>
             <a:r>
               <a:rPr lang="en-US" dirty="0" smtClean="0"/>
-              <a:t>SQL-</a:t>
+              <a:t>-compose up </a:t>
             </a:r>
             <a:r>
               <a:rPr lang="ru-RU" dirty="0" smtClean="0"/>
-              <a:t>запрос </a:t>
+              <a:t>инициируем создание базы данных </a:t>
+            </a:r>
+            <a:r>
+              <a:rPr lang="en-US" dirty="0" err="1" smtClean="0"/>
+              <a:t>PostgreSQL</a:t>
+            </a:r>
+            <a:r>
+              <a:rPr lang="en-US" dirty="0" smtClean="0"/>
+              <a:t> </a:t>
             </a:r>
             <a:r>
               <a:rPr lang="ru-RU" dirty="0" smtClean="0"/>
-              <a:t>для сбора необходимой информации из созданной базы данных в </a:t>
+              <a:t>в контейнере и выполнение </a:t>
             </a:r>
             <a:r>
               <a:rPr lang="ru-RU" dirty="0" smtClean="0"/>
-              <a:t>витрине </a:t>
-            </a:r>
+              <a:t>скрипта</a:t>
+            </a:r>
+          </a:p>
+          <a:p>
             <a:r>
               <a:rPr lang="ru-RU" dirty="0" smtClean="0"/>
-              <a:t>данных</a:t>
-            </a:r>
-            <a:endParaRPr lang="ru-RU" dirty="0"/>
-          </a:p>
-        </p:txBody>
-      </p:sp>
-      <p:pic>
-        <p:nvPicPr>
-          <p:cNvPr id="4" name="Рисунок 3"/>
-          <p:cNvPicPr>
-            <a:picLocks noChangeAspect="1"/>
-          </p:cNvPicPr>
+              <a:t>Условие: скрипт не будет выполнен, если произойдет ошибка при работе с базой данных</a:t>
+            </a:r>
+            <a:endParaRPr lang="ru-RU" dirty="0" smtClean="0"/>
+          </a:p>
+        </p:txBody>
+      </p:sp>
+      <p:sp>
+        <p:nvSpPr>
+          <p:cNvPr id="6" name="Объект 2"/>
+          <p:cNvSpPr txBox="1">
+            <a:spLocks/>
+          </p:cNvSpPr>
           <p:nvPr/>
-        </p:nvPicPr>
-        <p:blipFill>
-          <a:blip r:embed="rId2">
-            <a:extLst>
-              <a:ext uri="{28A0092B-C50C-407E-A947-70E740481C1C}">
-                <a14:useLocalDpi xmlns:a14="http://schemas.microsoft.com/office/drawing/2010/main" val="0"/>
-              </a:ext>
-            </a:extLst>
-          </a:blip>
-          <a:stretch>
-            <a:fillRect/>
-          </a:stretch>
-        </p:blipFill>
+        </p:nvSpPr>
         <p:spPr>
           <a:xfrm>
-            <a:off x="969961" y="3177224"/>
-            <a:ext cx="10600109" cy="2204401"/>
-          </a:xfrm>
-          <a:prstGeom prst="rect">
-            <a:avLst/>
-          </a:prstGeom>
-        </p:spPr>
-      </p:pic>
-      <p:sp>
-        <p:nvSpPr>
-          <p:cNvPr id="5" name="Объект 2"/>
-          <p:cNvSpPr txBox="1">
-            <a:spLocks/>
-          </p:cNvSpPr>
-          <p:nvPr/>
-        </p:nvSpPr>
-        <p:spPr>
-          <a:xfrm>
-            <a:off x="3346654" y="5575160"/>
-            <a:ext cx="5635422" cy="584482"/>
+            <a:off x="4425839" y="6273518"/>
+            <a:ext cx="7433369" cy="444523"/>
           </a:xfrm>
           <a:prstGeom prst="rect">
             <a:avLst/>
@@ -8227,101 +8358,32 @@
               <a:buNone/>
             </a:pPr>
             <a:r>
+              <a:rPr lang="ru-RU" sz="1800" dirty="0" smtClean="0"/>
+              <a:t>Создание </a:t>
+            </a:r>
+            <a:r>
+              <a:rPr lang="en-US" sz="1800" dirty="0" err="1" smtClean="0"/>
+              <a:t>Docker</a:t>
+            </a:r>
+            <a:r>
               <a:rPr lang="en-US" sz="1800" dirty="0" smtClean="0"/>
-              <a:t>SQL-</a:t>
+              <a:t> – </a:t>
             </a:r>
             <a:r>
               <a:rPr lang="ru-RU" sz="1800" dirty="0" smtClean="0"/>
-              <a:t>запрос формирования витрины данных</a:t>
+              <a:t>контейнера с базой данных </a:t>
+            </a:r>
+            <a:r>
+              <a:rPr lang="en-US" sz="1800" dirty="0" err="1" smtClean="0"/>
+              <a:t>PostgreSQL</a:t>
             </a:r>
             <a:endParaRPr lang="ru-RU" sz="1800" dirty="0"/>
-          </a:p>
-        </p:txBody>
-      </p:sp>
-    </p:spTree>
-    <p:extLst>
-      <p:ext uri="{BB962C8B-B14F-4D97-AF65-F5344CB8AC3E}">
-        <p14:creationId xmlns:p14="http://schemas.microsoft.com/office/powerpoint/2010/main" val="109540641"/>
-      </p:ext>
-    </p:extLst>
-  </p:cSld>
-  <p:clrMapOvr>
-    <a:masterClrMapping/>
-  </p:clrMapOvr>
-  <mc:AlternateContent xmlns:mc="http://schemas.openxmlformats.org/markup-compatibility/2006">
-    <mc:Choice xmlns:p14="http://schemas.microsoft.com/office/powerpoint/2010/main" Requires="p14">
-      <p:transition spd="med" p14:dur="700">
-        <p:fade/>
-      </p:transition>
-    </mc:Choice>
-    <mc:Fallback>
-      <p:transition spd="med">
-        <p:fade/>
-      </p:transition>
-    </mc:Fallback>
-  </mc:AlternateContent>
-  <p:timing>
-    <p:tnLst>
-      <p:par>
-        <p:cTn id="1" dur="indefinite" restart="never" nodeType="tmRoot"/>
-      </p:par>
-    </p:tnLst>
-  </p:timing>
-</p:sld>
-</file>
-
-<file path=ppt/slides/slide7.xml><?xml version="1.0" encoding="utf-8"?>
-<p:sld xmlns:a="http://schemas.openxmlformats.org/drawingml/2006/main" xmlns:r="http://schemas.openxmlformats.org/officeDocument/2006/relationships" xmlns:p="http://schemas.openxmlformats.org/presentationml/2006/main">
-  <p:cSld>
-    <p:spTree>
-      <p:nvGrpSpPr>
-        <p:cNvPr id="1" name=""/>
-        <p:cNvGrpSpPr/>
-        <p:nvPr/>
-      </p:nvGrpSpPr>
-      <p:grpSpPr>
-        <a:xfrm>
-          <a:off x="0" y="0"/>
-          <a:ext cx="0" cy="0"/>
-          <a:chOff x="0" y="0"/>
-          <a:chExt cx="0" cy="0"/>
-        </a:xfrm>
-      </p:grpSpPr>
-      <p:sp>
-        <p:nvSpPr>
-          <p:cNvPr id="2" name="Заголовок 1"/>
-          <p:cNvSpPr>
-            <a:spLocks noGrp="1"/>
-          </p:cNvSpPr>
-          <p:nvPr>
-            <p:ph type="title"/>
-          </p:nvPr>
-        </p:nvSpPr>
-        <p:spPr>
-          <a:xfrm>
-            <a:off x="646111" y="452718"/>
-            <a:ext cx="9404723" cy="766482"/>
-          </a:xfrm>
-        </p:spPr>
-        <p:txBody>
-          <a:bodyPr/>
-          <a:lstStyle/>
-          <a:p>
-            <a:r>
-              <a:rPr lang="en-US" sz="3200" dirty="0" smtClean="0"/>
-              <a:t>ER-</a:t>
-            </a:r>
-            <a:r>
-              <a:rPr lang="ru-RU" sz="3200" dirty="0" smtClean="0"/>
-              <a:t>диаграмма обработки данных по слоям</a:t>
-            </a:r>
-            <a:endParaRPr lang="ru-RU" sz="3200" dirty="0"/>
           </a:p>
         </p:txBody>
       </p:sp>
       <p:pic>
         <p:nvPicPr>
-          <p:cNvPr id="5" name="Рисунок 4"/>
+          <p:cNvPr id="4" name="Рисунок 3"/>
           <p:cNvPicPr>
             <a:picLocks noChangeAspect="1"/>
           </p:cNvPicPr>
@@ -8341,8 +8403,8 @@
         </p:blipFill>
         <p:spPr>
           <a:xfrm>
-            <a:off x="646111" y="1577023"/>
-            <a:ext cx="10395284" cy="4722223"/>
+            <a:off x="5193466" y="1186645"/>
+            <a:ext cx="5486726" cy="4990535"/>
           </a:xfrm>
           <a:prstGeom prst="rect">
             <a:avLst/>
@@ -8352,20 +8414,20 @@
     </p:spTree>
     <p:extLst>
       <p:ext uri="{BB962C8B-B14F-4D97-AF65-F5344CB8AC3E}">
-        <p14:creationId xmlns:p14="http://schemas.microsoft.com/office/powerpoint/2010/main" val="315125767"/>
+        <p14:creationId xmlns:p14="http://schemas.microsoft.com/office/powerpoint/2010/main" val="3626942001"/>
       </p:ext>
     </p:extLst>
   </p:cSld>
   <p:clrMapOvr>
     <a:masterClrMapping/>
   </p:clrMapOvr>
-  <mc:AlternateContent xmlns:mc="http://schemas.openxmlformats.org/markup-compatibility/2006">
-    <mc:Choice xmlns:p14="http://schemas.microsoft.com/office/powerpoint/2010/main" Requires="p14">
+  <mc:AlternateContent xmlns:mc="http://schemas.openxmlformats.org/markup-compatibility/2006" xmlns:p14="http://schemas.microsoft.com/office/powerpoint/2010/main">
+    <mc:Choice Requires="p14">
       <p:transition spd="med" p14:dur="700">
         <p:fade/>
       </p:transition>
     </mc:Choice>
-    <mc:Fallback>
+    <mc:Fallback xmlns="">
       <p:transition spd="med">
         <p:fade/>
       </p:transition>
@@ -8381,7 +8443,7 @@
 </p:sld>
 </file>
 
-<file path=ppt/slides/slide8.xml><?xml version="1.0" encoding="utf-8"?>
+<file path=ppt/slides/slide5.xml><?xml version="1.0" encoding="utf-8"?>
 <p:sld xmlns:a="http://schemas.openxmlformats.org/drawingml/2006/main" xmlns:r="http://schemas.openxmlformats.org/officeDocument/2006/relationships" xmlns:p="http://schemas.openxmlformats.org/presentationml/2006/main">
   <p:cSld>
     <p:spTree>
@@ -8419,16 +8481,15 @@
           <a:lstStyle/>
           <a:p>
             <a:r>
-              <a:rPr lang="ru-RU" u="sng" dirty="0"/>
-              <a:t>Используемые технологии:</a:t>
-            </a:r>
-            <a:endParaRPr lang="ru-RU" dirty="0"/>
-          </a:p>
-        </p:txBody>
-      </p:sp>
-      <p:sp>
-        <p:nvSpPr>
-          <p:cNvPr id="4" name="Объект 2"/>
+              <a:rPr lang="ru-RU" dirty="0"/>
+              <a:t>План реализации</a:t>
+            </a:r>
+          </a:p>
+        </p:txBody>
+      </p:sp>
+      <p:sp>
+        <p:nvSpPr>
+          <p:cNvPr id="3" name="Объект 2"/>
           <p:cNvSpPr>
             <a:spLocks noGrp="1"/>
           </p:cNvSpPr>
@@ -8438,261 +8499,79 @@
         </p:nvSpPr>
         <p:spPr>
           <a:xfrm>
-            <a:off x="498330" y="1427746"/>
-            <a:ext cx="11268798" cy="5083889"/>
+            <a:off x="646111" y="1186645"/>
+            <a:ext cx="8946541" cy="2040986"/>
           </a:xfrm>
         </p:spPr>
         <p:txBody>
-          <a:bodyPr>
-            <a:noAutofit/>
-          </a:bodyPr>
-          <a:lstStyle/>
-          <a:p>
-            <a:r>
-              <a:rPr lang="en-US" sz="1900" dirty="0" err="1" smtClean="0"/>
-              <a:t>PyCharm</a:t>
-            </a:r>
-            <a:r>
-              <a:rPr lang="ru-RU" sz="1900" dirty="0" smtClean="0"/>
-              <a:t> </a:t>
-            </a:r>
-            <a:r>
-              <a:rPr lang="ru-RU" sz="1900" dirty="0"/>
-              <a:t>– кроссплатформенная </a:t>
-            </a:r>
-            <a:r>
-              <a:rPr lang="en-US" sz="1900" dirty="0"/>
-              <a:t>IDE</a:t>
-            </a:r>
-            <a:r>
-              <a:rPr lang="ru-RU" sz="1900" dirty="0"/>
-              <a:t> для языка программирования </a:t>
-            </a:r>
-            <a:r>
-              <a:rPr lang="en-US" sz="1900" dirty="0"/>
-              <a:t>Python</a:t>
-            </a:r>
-            <a:r>
-              <a:rPr lang="ru-RU" sz="1900" dirty="0"/>
-              <a:t>. Предоставляет комплекс средств для написания кода и визуальный отладчик. Необходима для написания работоспособного скрипта, автоматизирующего </a:t>
-            </a:r>
-            <a:r>
-              <a:rPr lang="ru-RU" sz="1900" dirty="0" smtClean="0"/>
-              <a:t>процессы</a:t>
-            </a:r>
-          </a:p>
-          <a:p>
-            <a:pPr marL="0" indent="0">
-              <a:buNone/>
-            </a:pPr>
-            <a:endParaRPr lang="en-US" sz="1900" dirty="0"/>
-          </a:p>
-          <a:p>
-            <a:r>
-              <a:rPr lang="en-US" sz="1900" dirty="0" err="1"/>
-              <a:t>PostgreSQL</a:t>
-            </a:r>
-            <a:r>
-              <a:rPr lang="ru-RU" sz="1900" dirty="0"/>
-              <a:t> – свободная объектно-ориентированная система управления базами данных. Необходима для создания базы данных и манипуляциями над </a:t>
-            </a:r>
-            <a:r>
-              <a:rPr lang="ru-RU" sz="1900" dirty="0" smtClean="0"/>
-              <a:t>ней</a:t>
-            </a:r>
-          </a:p>
-          <a:p>
-            <a:pPr marL="0" indent="0">
-              <a:buNone/>
-            </a:pPr>
-            <a:endParaRPr lang="en-US" sz="1900" dirty="0"/>
-          </a:p>
-          <a:p>
-            <a:r>
-              <a:rPr lang="en-US" sz="1900" dirty="0"/>
-              <a:t>P</a:t>
-            </a:r>
-            <a:r>
-              <a:rPr lang="en-US" sz="1900" dirty="0" smtClean="0"/>
-              <a:t>sycopg2</a:t>
-            </a:r>
-            <a:r>
-              <a:rPr lang="ru-RU" sz="1900" dirty="0" smtClean="0"/>
-              <a:t> </a:t>
-            </a:r>
-            <a:r>
-              <a:rPr lang="ru-RU" sz="1900" dirty="0"/>
-              <a:t>– </a:t>
-            </a:r>
-            <a:r>
-              <a:rPr lang="ru-RU" sz="1900" dirty="0" smtClean="0"/>
-              <a:t>позволяет подключаться к </a:t>
-            </a:r>
-            <a:r>
-              <a:rPr lang="en-US" sz="1900" dirty="0" err="1"/>
-              <a:t>PostgreSQL</a:t>
-            </a:r>
-            <a:r>
-              <a:rPr lang="en-US" sz="1900" dirty="0"/>
-              <a:t> </a:t>
-            </a:r>
-            <a:r>
-              <a:rPr lang="ru-RU" sz="1900" dirty="0" smtClean="0"/>
-              <a:t>и выполнять </a:t>
-            </a:r>
-            <a:r>
-              <a:rPr lang="en-US" sz="1900" dirty="0" smtClean="0"/>
-              <a:t>SQL-</a:t>
-            </a:r>
-            <a:r>
-              <a:rPr lang="ru-RU" sz="1900" dirty="0" smtClean="0"/>
-              <a:t>запросы путем запуска соответствующего скрипта. Необходим для автоматизации </a:t>
-            </a:r>
-            <a:r>
-              <a:rPr lang="en-US" sz="1900" dirty="0" smtClean="0"/>
-              <a:t>SQL – </a:t>
-            </a:r>
-            <a:r>
-              <a:rPr lang="ru-RU" sz="1900" dirty="0" smtClean="0"/>
-              <a:t>операций</a:t>
-            </a:r>
-          </a:p>
-          <a:p>
-            <a:pPr marL="0" indent="0">
-              <a:buNone/>
-            </a:pPr>
-            <a:endParaRPr lang="ru-RU" sz="1900" dirty="0"/>
-          </a:p>
-          <a:p>
-            <a:r>
-              <a:rPr lang="en-US" sz="1900" dirty="0" err="1" smtClean="0"/>
-              <a:t>Docker</a:t>
-            </a:r>
-            <a:r>
-              <a:rPr lang="en-US" sz="1900" dirty="0" smtClean="0"/>
-              <a:t> </a:t>
-            </a:r>
-            <a:r>
-              <a:rPr lang="ru-RU" sz="1900" dirty="0" smtClean="0"/>
-              <a:t>позволяет «упаковать» приложение со всем его </a:t>
-            </a:r>
-            <a:r>
-              <a:rPr lang="ru-RU" sz="1900" dirty="0"/>
-              <a:t>о</a:t>
-            </a:r>
-            <a:r>
-              <a:rPr lang="ru-RU" sz="1900" dirty="0" smtClean="0"/>
-              <a:t>кружением </a:t>
-            </a:r>
-            <a:r>
-              <a:rPr lang="ru-RU" sz="1900" dirty="0" smtClean="0"/>
-              <a:t>и </a:t>
-            </a:r>
-            <a:r>
-              <a:rPr lang="ru-RU" sz="1900" dirty="0" smtClean="0"/>
-              <a:t>зависимостями</a:t>
-            </a:r>
-            <a:br>
-              <a:rPr lang="ru-RU" sz="1900" dirty="0" smtClean="0"/>
-            </a:br>
-            <a:r>
-              <a:rPr lang="ru-RU" sz="1900" dirty="0" smtClean="0"/>
-              <a:t>в </a:t>
-            </a:r>
-            <a:r>
-              <a:rPr lang="ru-RU" sz="1900" dirty="0" smtClean="0"/>
-              <a:t>контейнер, а также предоставляет набор команд для управления этими контейнерами. Необходим для развертывания СУБД </a:t>
-            </a:r>
-            <a:r>
-              <a:rPr lang="en-US" sz="1900" dirty="0" err="1" smtClean="0"/>
-              <a:t>PostgreSQL</a:t>
-            </a:r>
-            <a:r>
-              <a:rPr lang="en-US" sz="1900" dirty="0" smtClean="0"/>
-              <a:t> </a:t>
-            </a:r>
-            <a:r>
-              <a:rPr lang="ru-RU" sz="1900" dirty="0" smtClean="0"/>
-              <a:t>на рабочем месте</a:t>
-            </a:r>
-            <a:endParaRPr lang="ru-RU" sz="1900" dirty="0"/>
-          </a:p>
-        </p:txBody>
-      </p:sp>
-    </p:spTree>
-    <p:extLst>
-      <p:ext uri="{BB962C8B-B14F-4D97-AF65-F5344CB8AC3E}">
-        <p14:creationId xmlns:p14="http://schemas.microsoft.com/office/powerpoint/2010/main" val="2558867905"/>
-      </p:ext>
-    </p:extLst>
-  </p:cSld>
-  <p:clrMapOvr>
-    <a:masterClrMapping/>
-  </p:clrMapOvr>
-  <mc:AlternateContent xmlns:mc="http://schemas.openxmlformats.org/markup-compatibility/2006">
-    <mc:Choice xmlns:p14="http://schemas.microsoft.com/office/powerpoint/2010/main" Requires="p14">
-      <p:transition spd="med" p14:dur="700">
-        <p:fade/>
-      </p:transition>
-    </mc:Choice>
-    <mc:Fallback>
-      <p:transition spd="med">
-        <p:fade/>
-      </p:transition>
-    </mc:Fallback>
-  </mc:AlternateContent>
-  <p:timing>
-    <p:tnLst>
-      <p:par>
-        <p:cTn id="1" dur="indefinite" restart="never" nodeType="tmRoot"/>
-      </p:par>
-    </p:tnLst>
-  </p:timing>
-</p:sld>
-</file>
-
-<file path=ppt/slides/slide9.xml><?xml version="1.0" encoding="utf-8"?>
-<p:sld xmlns:a="http://schemas.openxmlformats.org/drawingml/2006/main" xmlns:r="http://schemas.openxmlformats.org/officeDocument/2006/relationships" xmlns:p="http://schemas.openxmlformats.org/presentationml/2006/main">
-  <p:cSld>
-    <p:spTree>
-      <p:nvGrpSpPr>
-        <p:cNvPr id="1" name=""/>
-        <p:cNvGrpSpPr/>
-        <p:nvPr/>
-      </p:nvGrpSpPr>
-      <p:grpSpPr>
-        <a:xfrm>
-          <a:off x="0" y="0"/>
-          <a:ext cx="0" cy="0"/>
-          <a:chOff x="0" y="0"/>
-          <a:chExt cx="0" cy="0"/>
-        </a:xfrm>
-      </p:grpSpPr>
-      <p:sp>
-        <p:nvSpPr>
-          <p:cNvPr id="2" name="Заголовок 1"/>
-          <p:cNvSpPr>
-            <a:spLocks noGrp="1"/>
-          </p:cNvSpPr>
-          <p:nvPr>
-            <p:ph type="title"/>
-          </p:nvPr>
-        </p:nvSpPr>
-        <p:spPr/>
-        <p:txBody>
           <a:bodyPr/>
           <a:lstStyle/>
           <a:p>
-            <a:r>
-              <a:rPr lang="ru-RU" dirty="0"/>
-              <a:t>Результат работы</a:t>
-            </a:r>
-          </a:p>
-        </p:txBody>
-      </p:sp>
-      <p:sp>
-        <p:nvSpPr>
-          <p:cNvPr id="4" name="Объект 2"/>
+            <a:pPr marL="0" indent="0">
+              <a:buNone/>
+            </a:pPr>
+            <a:r>
+              <a:rPr lang="ru-RU" u="sng" dirty="0" smtClean="0"/>
+              <a:t>Первый слой данных</a:t>
+            </a:r>
+            <a:endParaRPr lang="ru-RU" dirty="0" smtClean="0"/>
+          </a:p>
+          <a:p>
+            <a:r>
+              <a:rPr lang="ru-RU" dirty="0" smtClean="0"/>
+              <a:t>Производится </a:t>
+            </a:r>
+            <a:r>
+              <a:rPr lang="ru-RU" dirty="0" err="1" smtClean="0"/>
+              <a:t>парсинг</a:t>
+            </a:r>
+            <a:r>
+              <a:rPr lang="ru-RU" dirty="0" smtClean="0"/>
+              <a:t> изменений курса для каждой анализируемой валюты </a:t>
+            </a:r>
+          </a:p>
+          <a:p>
+            <a:r>
+              <a:rPr lang="ru-RU" dirty="0" smtClean="0"/>
+              <a:t>Полученные данные записываются в соответствующую каждой валюте таблицу</a:t>
+            </a:r>
+            <a:endParaRPr lang="ru-RU" dirty="0"/>
+          </a:p>
+        </p:txBody>
+      </p:sp>
+      <p:pic>
+        <p:nvPicPr>
+          <p:cNvPr id="4" name="Рисунок 3"/>
+          <p:cNvPicPr>
+            <a:picLocks noChangeAspect="1"/>
+          </p:cNvPicPr>
+          <p:nvPr/>
+        </p:nvPicPr>
+        <p:blipFill>
+          <a:blip r:embed="rId2">
+            <a:extLst>
+              <a:ext uri="{28A0092B-C50C-407E-A947-70E740481C1C}">
+                <a14:useLocalDpi xmlns:a14="http://schemas.microsoft.com/office/drawing/2010/main" val="0"/>
+              </a:ext>
+            </a:extLst>
+          </a:blip>
+          <a:stretch>
+            <a:fillRect/>
+          </a:stretch>
+        </p:blipFill>
+        <p:spPr>
+          <a:xfrm>
+            <a:off x="795671" y="3067208"/>
+            <a:ext cx="10116800" cy="2989741"/>
+          </a:xfrm>
+          <a:prstGeom prst="rect">
+            <a:avLst/>
+          </a:prstGeom>
+        </p:spPr>
+      </p:pic>
+      <p:sp>
+        <p:nvSpPr>
+          <p:cNvPr id="6" name="Объект 2"/>
           <p:cNvSpPr txBox="1">
             <a:spLocks/>
           </p:cNvSpPr>
@@ -8700,8 +8579,8 @@
         </p:nvSpPr>
         <p:spPr>
           <a:xfrm>
-            <a:off x="646111" y="2175466"/>
-            <a:ext cx="10161226" cy="2413952"/>
+            <a:off x="795671" y="6056950"/>
+            <a:ext cx="10305466" cy="584482"/>
           </a:xfrm>
           <a:prstGeom prst="rect">
             <a:avLst/>
@@ -8939,36 +8818,1407 @@
             </a:lvl9pPr>
           </a:lstStyle>
           <a:p>
-            <a:r>
-              <a:rPr lang="ru-RU" dirty="0"/>
-              <a:t>В результате работы создается база данных, накапливающая с течением времени сведения об изменении курса интересующих валют (акций)</a:t>
-            </a:r>
-          </a:p>
-          <a:p>
-            <a:r>
-              <a:rPr lang="ru-RU" dirty="0"/>
-              <a:t>Формируется общая витрина данных, содержащая актуальную информацию о курсе валют (акций) из базы данных в одной наглядной таблице, упрощающей работу аналитиков по изучению и сравнению истории цен исследуемых валют (акций)</a:t>
-            </a:r>
+            <a:pPr marL="0" indent="0">
+              <a:buFont typeface="Wingdings 3" charset="2"/>
+              <a:buNone/>
+            </a:pPr>
+            <a:r>
+              <a:rPr lang="ru-RU" sz="1800" dirty="0" smtClean="0"/>
+              <a:t>Создание и заполнение таблицы сведений о курсе валюты на примере доллара США</a:t>
+            </a:r>
+            <a:endParaRPr lang="ru-RU" sz="1800" dirty="0"/>
           </a:p>
         </p:txBody>
       </p:sp>
     </p:spTree>
     <p:extLst>
       <p:ext uri="{BB962C8B-B14F-4D97-AF65-F5344CB8AC3E}">
-        <p14:creationId xmlns:p14="http://schemas.microsoft.com/office/powerpoint/2010/main" val="341448785"/>
+        <p14:creationId xmlns:p14="http://schemas.microsoft.com/office/powerpoint/2010/main" val="2679011938"/>
       </p:ext>
     </p:extLst>
   </p:cSld>
   <p:clrMapOvr>
     <a:masterClrMapping/>
   </p:clrMapOvr>
-  <mc:AlternateContent xmlns:mc="http://schemas.openxmlformats.org/markup-compatibility/2006">
-    <mc:Choice xmlns:p14="http://schemas.microsoft.com/office/powerpoint/2010/main" Requires="p14">
+  <mc:AlternateContent xmlns:mc="http://schemas.openxmlformats.org/markup-compatibility/2006" xmlns:p14="http://schemas.microsoft.com/office/powerpoint/2010/main">
+    <mc:Choice Requires="p14">
       <p:transition spd="med" p14:dur="700">
         <p:fade/>
       </p:transition>
     </mc:Choice>
-    <mc:Fallback>
+    <mc:Fallback xmlns="">
+      <p:transition spd="med">
+        <p:fade/>
+      </p:transition>
+    </mc:Fallback>
+  </mc:AlternateContent>
+  <p:timing>
+    <p:tnLst>
+      <p:par>
+        <p:cTn id="1" dur="indefinite" restart="never" nodeType="tmRoot"/>
+      </p:par>
+    </p:tnLst>
+  </p:timing>
+</p:sld>
+</file>
+
+<file path=ppt/slides/slide6.xml><?xml version="1.0" encoding="utf-8"?>
+<p:sld xmlns:a="http://schemas.openxmlformats.org/drawingml/2006/main" xmlns:r="http://schemas.openxmlformats.org/officeDocument/2006/relationships" xmlns:p="http://schemas.openxmlformats.org/presentationml/2006/main">
+  <p:cSld>
+    <p:spTree>
+      <p:nvGrpSpPr>
+        <p:cNvPr id="1" name=""/>
+        <p:cNvGrpSpPr/>
+        <p:nvPr/>
+      </p:nvGrpSpPr>
+      <p:grpSpPr>
+        <a:xfrm>
+          <a:off x="0" y="0"/>
+          <a:ext cx="0" cy="0"/>
+          <a:chOff x="0" y="0"/>
+          <a:chExt cx="0" cy="0"/>
+        </a:xfrm>
+      </p:grpSpPr>
+      <p:sp>
+        <p:nvSpPr>
+          <p:cNvPr id="2" name="Заголовок 1"/>
+          <p:cNvSpPr>
+            <a:spLocks noGrp="1"/>
+          </p:cNvSpPr>
+          <p:nvPr>
+            <p:ph type="title"/>
+          </p:nvPr>
+        </p:nvSpPr>
+        <p:spPr>
+          <a:xfrm>
+            <a:off x="646111" y="452718"/>
+            <a:ext cx="9404723" cy="975029"/>
+          </a:xfrm>
+        </p:spPr>
+        <p:txBody>
+          <a:bodyPr/>
+          <a:lstStyle/>
+          <a:p>
+            <a:r>
+              <a:rPr lang="ru-RU" dirty="0"/>
+              <a:t>План реализации</a:t>
+            </a:r>
+          </a:p>
+        </p:txBody>
+      </p:sp>
+      <p:sp>
+        <p:nvSpPr>
+          <p:cNvPr id="4" name="Объект 2"/>
+          <p:cNvSpPr>
+            <a:spLocks noGrp="1"/>
+          </p:cNvSpPr>
+          <p:nvPr>
+            <p:ph idx="1"/>
+          </p:nvPr>
+        </p:nvSpPr>
+        <p:spPr>
+          <a:xfrm>
+            <a:off x="646111" y="1186645"/>
+            <a:ext cx="8946541" cy="2040986"/>
+          </a:xfrm>
+        </p:spPr>
+        <p:txBody>
+          <a:bodyPr>
+            <a:normAutofit/>
+          </a:bodyPr>
+          <a:lstStyle/>
+          <a:p>
+            <a:pPr marL="0" indent="0">
+              <a:buNone/>
+            </a:pPr>
+            <a:r>
+              <a:rPr lang="ru-RU" u="sng" dirty="0" smtClean="0"/>
+              <a:t>Второй слой данных</a:t>
+            </a:r>
+            <a:endParaRPr lang="ru-RU" dirty="0" smtClean="0"/>
+          </a:p>
+          <a:p>
+            <a:r>
+              <a:rPr lang="ru-RU" dirty="0" smtClean="0"/>
+              <a:t>Создаётся общая связующая таблица для всех валют вида:</a:t>
+            </a:r>
+          </a:p>
+          <a:p>
+            <a:pPr marL="0" indent="0">
+              <a:buNone/>
+            </a:pPr>
+            <a:r>
+              <a:rPr lang="ru-RU" dirty="0" smtClean="0"/>
+              <a:t>«</a:t>
+            </a:r>
+            <a:r>
+              <a:rPr lang="en-US" dirty="0" smtClean="0"/>
+              <a:t>Id </a:t>
+            </a:r>
+            <a:r>
+              <a:rPr lang="ru-RU" dirty="0" smtClean="0"/>
+              <a:t>валюты», «наименование валюты»</a:t>
+            </a:r>
+          </a:p>
+          <a:p>
+            <a:r>
+              <a:rPr lang="ru-RU" dirty="0" smtClean="0"/>
+              <a:t>Формируются связи между таблицами по первичному и вторичному ключам</a:t>
+            </a:r>
+            <a:endParaRPr lang="ru-RU" dirty="0"/>
+          </a:p>
+        </p:txBody>
+      </p:sp>
+      <p:pic>
+        <p:nvPicPr>
+          <p:cNvPr id="5" name="Рисунок 4"/>
+          <p:cNvPicPr>
+            <a:picLocks noChangeAspect="1"/>
+          </p:cNvPicPr>
+          <p:nvPr/>
+        </p:nvPicPr>
+        <p:blipFill>
+          <a:blip r:embed="rId2">
+            <a:extLst>
+              <a:ext uri="{28A0092B-C50C-407E-A947-70E740481C1C}">
+                <a14:useLocalDpi xmlns:a14="http://schemas.microsoft.com/office/drawing/2010/main" val="0"/>
+              </a:ext>
+            </a:extLst>
+          </a:blip>
+          <a:stretch>
+            <a:fillRect/>
+          </a:stretch>
+        </p:blipFill>
+        <p:spPr>
+          <a:xfrm>
+            <a:off x="1073306" y="3704781"/>
+            <a:ext cx="9451076" cy="2207789"/>
+          </a:xfrm>
+          <a:prstGeom prst="rect">
+            <a:avLst/>
+          </a:prstGeom>
+        </p:spPr>
+      </p:pic>
+      <p:sp>
+        <p:nvSpPr>
+          <p:cNvPr id="6" name="Объект 2"/>
+          <p:cNvSpPr txBox="1">
+            <a:spLocks/>
+          </p:cNvSpPr>
+          <p:nvPr/>
+        </p:nvSpPr>
+        <p:spPr>
+          <a:xfrm>
+            <a:off x="1705651" y="5912570"/>
+            <a:ext cx="8818731" cy="584482"/>
+          </a:xfrm>
+          <a:prstGeom prst="rect">
+            <a:avLst/>
+          </a:prstGeom>
+        </p:spPr>
+        <p:txBody>
+          <a:bodyPr vert="horz" lIns="91440" tIns="45720" rIns="91440" bIns="45720" rtlCol="0">
+            <a:normAutofit/>
+          </a:bodyPr>
+          <a:lstStyle>
+            <a:lvl1pPr marL="342900" indent="-342900" algn="l" defTabSz="457200" rtl="0" eaLnBrk="1" latinLnBrk="0" hangingPunct="1">
+              <a:spcBef>
+                <a:spcPts val="1000"/>
+              </a:spcBef>
+              <a:spcAft>
+                <a:spcPts val="0"/>
+              </a:spcAft>
+              <a:buClr>
+                <a:schemeClr val="bg2">
+                  <a:lumMod val="40000"/>
+                  <a:lumOff val="60000"/>
+                </a:schemeClr>
+              </a:buClr>
+              <a:buSzPct val="80000"/>
+              <a:buFont typeface="Wingdings 3" charset="2"/>
+              <a:buChar char=""/>
+              <a:defRPr sz="2000" b="0" i="0" kern="1200">
+                <a:solidFill>
+                  <a:schemeClr val="tx1"/>
+                </a:solidFill>
+                <a:latin typeface="+mj-lt"/>
+                <a:ea typeface="+mj-ea"/>
+                <a:cs typeface="+mj-cs"/>
+              </a:defRPr>
+            </a:lvl1pPr>
+            <a:lvl2pPr marL="742950" indent="-285750" algn="l" defTabSz="457200" rtl="0" eaLnBrk="1" latinLnBrk="0" hangingPunct="1">
+              <a:spcBef>
+                <a:spcPts val="1000"/>
+              </a:spcBef>
+              <a:spcAft>
+                <a:spcPts val="0"/>
+              </a:spcAft>
+              <a:buClr>
+                <a:schemeClr val="bg2">
+                  <a:lumMod val="40000"/>
+                  <a:lumOff val="60000"/>
+                </a:schemeClr>
+              </a:buClr>
+              <a:buSzPct val="80000"/>
+              <a:buFont typeface="Wingdings 3" charset="2"/>
+              <a:buChar char=""/>
+              <a:defRPr sz="1800" b="0" i="0" kern="1200">
+                <a:solidFill>
+                  <a:schemeClr val="tx1"/>
+                </a:solidFill>
+                <a:latin typeface="+mj-lt"/>
+                <a:ea typeface="+mj-ea"/>
+                <a:cs typeface="+mj-cs"/>
+              </a:defRPr>
+            </a:lvl2pPr>
+            <a:lvl3pPr marL="1143000" indent="-228600" algn="l" defTabSz="457200" rtl="0" eaLnBrk="1" latinLnBrk="0" hangingPunct="1">
+              <a:spcBef>
+                <a:spcPts val="1000"/>
+              </a:spcBef>
+              <a:spcAft>
+                <a:spcPts val="0"/>
+              </a:spcAft>
+              <a:buClr>
+                <a:schemeClr val="bg2">
+                  <a:lumMod val="40000"/>
+                  <a:lumOff val="60000"/>
+                </a:schemeClr>
+              </a:buClr>
+              <a:buSzPct val="80000"/>
+              <a:buFont typeface="Wingdings 3" charset="2"/>
+              <a:buChar char=""/>
+              <a:defRPr sz="1600" b="0" i="0" kern="1200">
+                <a:solidFill>
+                  <a:schemeClr val="tx1"/>
+                </a:solidFill>
+                <a:latin typeface="+mj-lt"/>
+                <a:ea typeface="+mj-ea"/>
+                <a:cs typeface="+mj-cs"/>
+              </a:defRPr>
+            </a:lvl3pPr>
+            <a:lvl4pPr marL="1600200" indent="-228600" algn="l" defTabSz="457200" rtl="0" eaLnBrk="1" latinLnBrk="0" hangingPunct="1">
+              <a:spcBef>
+                <a:spcPts val="1000"/>
+              </a:spcBef>
+              <a:spcAft>
+                <a:spcPts val="0"/>
+              </a:spcAft>
+              <a:buClr>
+                <a:schemeClr val="bg2">
+                  <a:lumMod val="40000"/>
+                  <a:lumOff val="60000"/>
+                </a:schemeClr>
+              </a:buClr>
+              <a:buSzPct val="80000"/>
+              <a:buFont typeface="Wingdings 3" charset="2"/>
+              <a:buChar char=""/>
+              <a:defRPr sz="1400" b="0" i="0" kern="1200">
+                <a:solidFill>
+                  <a:schemeClr val="tx1"/>
+                </a:solidFill>
+                <a:latin typeface="+mj-lt"/>
+                <a:ea typeface="+mj-ea"/>
+                <a:cs typeface="+mj-cs"/>
+              </a:defRPr>
+            </a:lvl4pPr>
+            <a:lvl5pPr marL="2057400" indent="-228600" algn="l" defTabSz="457200" rtl="0" eaLnBrk="1" latinLnBrk="0" hangingPunct="1">
+              <a:spcBef>
+                <a:spcPts val="1000"/>
+              </a:spcBef>
+              <a:spcAft>
+                <a:spcPts val="0"/>
+              </a:spcAft>
+              <a:buClr>
+                <a:schemeClr val="bg2">
+                  <a:lumMod val="40000"/>
+                  <a:lumOff val="60000"/>
+                </a:schemeClr>
+              </a:buClr>
+              <a:buSzPct val="80000"/>
+              <a:buFont typeface="Wingdings 3" charset="2"/>
+              <a:buChar char=""/>
+              <a:defRPr sz="1400" b="0" i="0" kern="1200">
+                <a:solidFill>
+                  <a:schemeClr val="tx1"/>
+                </a:solidFill>
+                <a:latin typeface="+mj-lt"/>
+                <a:ea typeface="+mj-ea"/>
+                <a:cs typeface="+mj-cs"/>
+              </a:defRPr>
+            </a:lvl5pPr>
+            <a:lvl6pPr marL="2506000" indent="-228600" algn="l" defTabSz="457200" rtl="0" eaLnBrk="1" latinLnBrk="0" hangingPunct="1">
+              <a:spcBef>
+                <a:spcPts val="1000"/>
+              </a:spcBef>
+              <a:spcAft>
+                <a:spcPts val="0"/>
+              </a:spcAft>
+              <a:buClr>
+                <a:schemeClr val="bg2">
+                  <a:lumMod val="40000"/>
+                  <a:lumOff val="60000"/>
+                </a:schemeClr>
+              </a:buClr>
+              <a:buSzPct val="80000"/>
+              <a:buFont typeface="Wingdings 3" charset="2"/>
+              <a:buChar char=""/>
+              <a:defRPr sz="1400" b="0" i="0" kern="1200">
+                <a:solidFill>
+                  <a:schemeClr val="tx1"/>
+                </a:solidFill>
+                <a:latin typeface="+mj-lt"/>
+                <a:ea typeface="+mj-ea"/>
+                <a:cs typeface="+mj-cs"/>
+              </a:defRPr>
+            </a:lvl6pPr>
+            <a:lvl7pPr marL="2971800" indent="-228600" algn="l" defTabSz="457200" rtl="0" eaLnBrk="1" latinLnBrk="0" hangingPunct="1">
+              <a:spcBef>
+                <a:spcPts val="1000"/>
+              </a:spcBef>
+              <a:spcAft>
+                <a:spcPts val="0"/>
+              </a:spcAft>
+              <a:buClr>
+                <a:schemeClr val="bg2">
+                  <a:lumMod val="40000"/>
+                  <a:lumOff val="60000"/>
+                </a:schemeClr>
+              </a:buClr>
+              <a:buSzPct val="80000"/>
+              <a:buFont typeface="Wingdings 3" charset="2"/>
+              <a:buChar char=""/>
+              <a:defRPr sz="1400" b="0" i="0" kern="1200">
+                <a:solidFill>
+                  <a:schemeClr val="tx1"/>
+                </a:solidFill>
+                <a:latin typeface="+mj-lt"/>
+                <a:ea typeface="+mj-ea"/>
+                <a:cs typeface="+mj-cs"/>
+              </a:defRPr>
+            </a:lvl7pPr>
+            <a:lvl8pPr marL="3429000" indent="-228600" algn="l" defTabSz="457200" rtl="0" eaLnBrk="1" latinLnBrk="0" hangingPunct="1">
+              <a:spcBef>
+                <a:spcPts val="1000"/>
+              </a:spcBef>
+              <a:spcAft>
+                <a:spcPts val="0"/>
+              </a:spcAft>
+              <a:buClr>
+                <a:schemeClr val="bg2">
+                  <a:lumMod val="40000"/>
+                  <a:lumOff val="60000"/>
+                </a:schemeClr>
+              </a:buClr>
+              <a:buSzPct val="80000"/>
+              <a:buFont typeface="Wingdings 3" charset="2"/>
+              <a:buChar char=""/>
+              <a:defRPr sz="1400" b="0" i="0" kern="1200">
+                <a:solidFill>
+                  <a:schemeClr val="tx1"/>
+                </a:solidFill>
+                <a:latin typeface="+mj-lt"/>
+                <a:ea typeface="+mj-ea"/>
+                <a:cs typeface="+mj-cs"/>
+              </a:defRPr>
+            </a:lvl8pPr>
+            <a:lvl9pPr marL="3886200" indent="-228600" algn="l" defTabSz="457200" rtl="0" eaLnBrk="1" latinLnBrk="0" hangingPunct="1">
+              <a:spcBef>
+                <a:spcPts val="1000"/>
+              </a:spcBef>
+              <a:spcAft>
+                <a:spcPts val="0"/>
+              </a:spcAft>
+              <a:buClr>
+                <a:schemeClr val="bg2">
+                  <a:lumMod val="40000"/>
+                  <a:lumOff val="60000"/>
+                </a:schemeClr>
+              </a:buClr>
+              <a:buSzPct val="80000"/>
+              <a:buFont typeface="Wingdings 3" charset="2"/>
+              <a:buChar char=""/>
+              <a:defRPr sz="1400" b="0" i="0" kern="1200">
+                <a:solidFill>
+                  <a:schemeClr val="tx1"/>
+                </a:solidFill>
+                <a:latin typeface="+mj-lt"/>
+                <a:ea typeface="+mj-ea"/>
+                <a:cs typeface="+mj-cs"/>
+              </a:defRPr>
+            </a:lvl9pPr>
+          </a:lstStyle>
+          <a:p>
+            <a:pPr marL="0" indent="0">
+              <a:buFont typeface="Wingdings 3" charset="2"/>
+              <a:buNone/>
+            </a:pPr>
+            <a:r>
+              <a:rPr lang="ru-RU" sz="1800" dirty="0" smtClean="0"/>
+              <a:t>Создание общей таблицы «</a:t>
+            </a:r>
+            <a:r>
+              <a:rPr lang="en-US" sz="1800" dirty="0" smtClean="0"/>
+              <a:t>Currencies</a:t>
+            </a:r>
+            <a:r>
+              <a:rPr lang="ru-RU" sz="1800" dirty="0" smtClean="0"/>
+              <a:t>», назначение первичного ключа</a:t>
+            </a:r>
+            <a:endParaRPr lang="ru-RU" sz="1800" dirty="0"/>
+          </a:p>
+        </p:txBody>
+      </p:sp>
+    </p:spTree>
+    <p:extLst>
+      <p:ext uri="{BB962C8B-B14F-4D97-AF65-F5344CB8AC3E}">
+        <p14:creationId xmlns:p14="http://schemas.microsoft.com/office/powerpoint/2010/main" val="2785932240"/>
+      </p:ext>
+    </p:extLst>
+  </p:cSld>
+  <p:clrMapOvr>
+    <a:masterClrMapping/>
+  </p:clrMapOvr>
+  <mc:AlternateContent xmlns:mc="http://schemas.openxmlformats.org/markup-compatibility/2006" xmlns:p14="http://schemas.microsoft.com/office/powerpoint/2010/main">
+    <mc:Choice Requires="p14">
+      <p:transition spd="med" p14:dur="700">
+        <p:fade/>
+      </p:transition>
+    </mc:Choice>
+    <mc:Fallback xmlns="">
+      <p:transition spd="med">
+        <p:fade/>
+      </p:transition>
+    </mc:Fallback>
+  </mc:AlternateContent>
+  <p:timing>
+    <p:tnLst>
+      <p:par>
+        <p:cTn id="1" dur="indefinite" restart="never" nodeType="tmRoot"/>
+      </p:par>
+    </p:tnLst>
+  </p:timing>
+</p:sld>
+</file>
+
+<file path=ppt/slides/slide7.xml><?xml version="1.0" encoding="utf-8"?>
+<p:sld xmlns:a="http://schemas.openxmlformats.org/drawingml/2006/main" xmlns:r="http://schemas.openxmlformats.org/officeDocument/2006/relationships" xmlns:p="http://schemas.openxmlformats.org/presentationml/2006/main">
+  <p:cSld>
+    <p:spTree>
+      <p:nvGrpSpPr>
+        <p:cNvPr id="1" name=""/>
+        <p:cNvGrpSpPr/>
+        <p:nvPr/>
+      </p:nvGrpSpPr>
+      <p:grpSpPr>
+        <a:xfrm>
+          <a:off x="0" y="0"/>
+          <a:ext cx="0" cy="0"/>
+          <a:chOff x="0" y="0"/>
+          <a:chExt cx="0" cy="0"/>
+        </a:xfrm>
+      </p:grpSpPr>
+      <p:sp>
+        <p:nvSpPr>
+          <p:cNvPr id="2" name="Заголовок 1"/>
+          <p:cNvSpPr>
+            <a:spLocks noGrp="1"/>
+          </p:cNvSpPr>
+          <p:nvPr>
+            <p:ph type="title"/>
+          </p:nvPr>
+        </p:nvSpPr>
+        <p:spPr/>
+        <p:txBody>
+          <a:bodyPr/>
+          <a:lstStyle/>
+          <a:p>
+            <a:r>
+              <a:rPr lang="ru-RU" dirty="0"/>
+              <a:t>План реализации</a:t>
+            </a:r>
+          </a:p>
+        </p:txBody>
+      </p:sp>
+      <p:sp>
+        <p:nvSpPr>
+          <p:cNvPr id="3" name="Объект 2"/>
+          <p:cNvSpPr>
+            <a:spLocks noGrp="1"/>
+          </p:cNvSpPr>
+          <p:nvPr>
+            <p:ph idx="1"/>
+          </p:nvPr>
+        </p:nvSpPr>
+        <p:spPr>
+          <a:xfrm>
+            <a:off x="550862" y="1357594"/>
+            <a:ext cx="9882442" cy="1318932"/>
+          </a:xfrm>
+        </p:spPr>
+        <p:txBody>
+          <a:bodyPr/>
+          <a:lstStyle/>
+          <a:p>
+            <a:pPr marL="0" indent="0">
+              <a:buNone/>
+            </a:pPr>
+            <a:r>
+              <a:rPr lang="ru-RU" u="sng" dirty="0"/>
+              <a:t>Второй слой данных</a:t>
+            </a:r>
+            <a:endParaRPr lang="ru-RU" dirty="0"/>
+          </a:p>
+          <a:p>
+            <a:r>
+              <a:rPr lang="ru-RU" dirty="0" smtClean="0"/>
+              <a:t>Благодаря применению </a:t>
+            </a:r>
+            <a:r>
+              <a:rPr lang="ru-RU" dirty="0" err="1" smtClean="0"/>
+              <a:t>оркестрации</a:t>
+            </a:r>
+            <a:r>
+              <a:rPr lang="ru-RU" dirty="0" smtClean="0"/>
+              <a:t> данных сведения о курсе валют будут обновляться каждые 10 минут в процессе работы скрипта</a:t>
+            </a:r>
+            <a:endParaRPr lang="ru-RU" dirty="0"/>
+          </a:p>
+        </p:txBody>
+      </p:sp>
+      <p:sp>
+        <p:nvSpPr>
+          <p:cNvPr id="5" name="Объект 2"/>
+          <p:cNvSpPr txBox="1">
+            <a:spLocks/>
+          </p:cNvSpPr>
+          <p:nvPr/>
+        </p:nvSpPr>
+        <p:spPr>
+          <a:xfrm>
+            <a:off x="2762574" y="5985480"/>
+            <a:ext cx="6509442" cy="584482"/>
+          </a:xfrm>
+          <a:prstGeom prst="rect">
+            <a:avLst/>
+          </a:prstGeom>
+        </p:spPr>
+        <p:txBody>
+          <a:bodyPr vert="horz" lIns="91440" tIns="45720" rIns="91440" bIns="45720" rtlCol="0">
+            <a:normAutofit fontScale="92500"/>
+          </a:bodyPr>
+          <a:lstStyle>
+            <a:lvl1pPr marL="342900" indent="-342900" algn="l" defTabSz="457200" rtl="0" eaLnBrk="1" latinLnBrk="0" hangingPunct="1">
+              <a:spcBef>
+                <a:spcPts val="1000"/>
+              </a:spcBef>
+              <a:spcAft>
+                <a:spcPts val="0"/>
+              </a:spcAft>
+              <a:buClr>
+                <a:schemeClr val="bg2">
+                  <a:lumMod val="40000"/>
+                  <a:lumOff val="60000"/>
+                </a:schemeClr>
+              </a:buClr>
+              <a:buSzPct val="80000"/>
+              <a:buFont typeface="Wingdings 3" charset="2"/>
+              <a:buChar char=""/>
+              <a:defRPr sz="2000" b="0" i="0" kern="1200">
+                <a:solidFill>
+                  <a:schemeClr val="tx1"/>
+                </a:solidFill>
+                <a:latin typeface="+mj-lt"/>
+                <a:ea typeface="+mj-ea"/>
+                <a:cs typeface="+mj-cs"/>
+              </a:defRPr>
+            </a:lvl1pPr>
+            <a:lvl2pPr marL="742950" indent="-285750" algn="l" defTabSz="457200" rtl="0" eaLnBrk="1" latinLnBrk="0" hangingPunct="1">
+              <a:spcBef>
+                <a:spcPts val="1000"/>
+              </a:spcBef>
+              <a:spcAft>
+                <a:spcPts val="0"/>
+              </a:spcAft>
+              <a:buClr>
+                <a:schemeClr val="bg2">
+                  <a:lumMod val="40000"/>
+                  <a:lumOff val="60000"/>
+                </a:schemeClr>
+              </a:buClr>
+              <a:buSzPct val="80000"/>
+              <a:buFont typeface="Wingdings 3" charset="2"/>
+              <a:buChar char=""/>
+              <a:defRPr sz="1800" b="0" i="0" kern="1200">
+                <a:solidFill>
+                  <a:schemeClr val="tx1"/>
+                </a:solidFill>
+                <a:latin typeface="+mj-lt"/>
+                <a:ea typeface="+mj-ea"/>
+                <a:cs typeface="+mj-cs"/>
+              </a:defRPr>
+            </a:lvl2pPr>
+            <a:lvl3pPr marL="1143000" indent="-228600" algn="l" defTabSz="457200" rtl="0" eaLnBrk="1" latinLnBrk="0" hangingPunct="1">
+              <a:spcBef>
+                <a:spcPts val="1000"/>
+              </a:spcBef>
+              <a:spcAft>
+                <a:spcPts val="0"/>
+              </a:spcAft>
+              <a:buClr>
+                <a:schemeClr val="bg2">
+                  <a:lumMod val="40000"/>
+                  <a:lumOff val="60000"/>
+                </a:schemeClr>
+              </a:buClr>
+              <a:buSzPct val="80000"/>
+              <a:buFont typeface="Wingdings 3" charset="2"/>
+              <a:buChar char=""/>
+              <a:defRPr sz="1600" b="0" i="0" kern="1200">
+                <a:solidFill>
+                  <a:schemeClr val="tx1"/>
+                </a:solidFill>
+                <a:latin typeface="+mj-lt"/>
+                <a:ea typeface="+mj-ea"/>
+                <a:cs typeface="+mj-cs"/>
+              </a:defRPr>
+            </a:lvl3pPr>
+            <a:lvl4pPr marL="1600200" indent="-228600" algn="l" defTabSz="457200" rtl="0" eaLnBrk="1" latinLnBrk="0" hangingPunct="1">
+              <a:spcBef>
+                <a:spcPts val="1000"/>
+              </a:spcBef>
+              <a:spcAft>
+                <a:spcPts val="0"/>
+              </a:spcAft>
+              <a:buClr>
+                <a:schemeClr val="bg2">
+                  <a:lumMod val="40000"/>
+                  <a:lumOff val="60000"/>
+                </a:schemeClr>
+              </a:buClr>
+              <a:buSzPct val="80000"/>
+              <a:buFont typeface="Wingdings 3" charset="2"/>
+              <a:buChar char=""/>
+              <a:defRPr sz="1400" b="0" i="0" kern="1200">
+                <a:solidFill>
+                  <a:schemeClr val="tx1"/>
+                </a:solidFill>
+                <a:latin typeface="+mj-lt"/>
+                <a:ea typeface="+mj-ea"/>
+                <a:cs typeface="+mj-cs"/>
+              </a:defRPr>
+            </a:lvl4pPr>
+            <a:lvl5pPr marL="2057400" indent="-228600" algn="l" defTabSz="457200" rtl="0" eaLnBrk="1" latinLnBrk="0" hangingPunct="1">
+              <a:spcBef>
+                <a:spcPts val="1000"/>
+              </a:spcBef>
+              <a:spcAft>
+                <a:spcPts val="0"/>
+              </a:spcAft>
+              <a:buClr>
+                <a:schemeClr val="bg2">
+                  <a:lumMod val="40000"/>
+                  <a:lumOff val="60000"/>
+                </a:schemeClr>
+              </a:buClr>
+              <a:buSzPct val="80000"/>
+              <a:buFont typeface="Wingdings 3" charset="2"/>
+              <a:buChar char=""/>
+              <a:defRPr sz="1400" b="0" i="0" kern="1200">
+                <a:solidFill>
+                  <a:schemeClr val="tx1"/>
+                </a:solidFill>
+                <a:latin typeface="+mj-lt"/>
+                <a:ea typeface="+mj-ea"/>
+                <a:cs typeface="+mj-cs"/>
+              </a:defRPr>
+            </a:lvl5pPr>
+            <a:lvl6pPr marL="2506000" indent="-228600" algn="l" defTabSz="457200" rtl="0" eaLnBrk="1" latinLnBrk="0" hangingPunct="1">
+              <a:spcBef>
+                <a:spcPts val="1000"/>
+              </a:spcBef>
+              <a:spcAft>
+                <a:spcPts val="0"/>
+              </a:spcAft>
+              <a:buClr>
+                <a:schemeClr val="bg2">
+                  <a:lumMod val="40000"/>
+                  <a:lumOff val="60000"/>
+                </a:schemeClr>
+              </a:buClr>
+              <a:buSzPct val="80000"/>
+              <a:buFont typeface="Wingdings 3" charset="2"/>
+              <a:buChar char=""/>
+              <a:defRPr sz="1400" b="0" i="0" kern="1200">
+                <a:solidFill>
+                  <a:schemeClr val="tx1"/>
+                </a:solidFill>
+                <a:latin typeface="+mj-lt"/>
+                <a:ea typeface="+mj-ea"/>
+                <a:cs typeface="+mj-cs"/>
+              </a:defRPr>
+            </a:lvl6pPr>
+            <a:lvl7pPr marL="2971800" indent="-228600" algn="l" defTabSz="457200" rtl="0" eaLnBrk="1" latinLnBrk="0" hangingPunct="1">
+              <a:spcBef>
+                <a:spcPts val="1000"/>
+              </a:spcBef>
+              <a:spcAft>
+                <a:spcPts val="0"/>
+              </a:spcAft>
+              <a:buClr>
+                <a:schemeClr val="bg2">
+                  <a:lumMod val="40000"/>
+                  <a:lumOff val="60000"/>
+                </a:schemeClr>
+              </a:buClr>
+              <a:buSzPct val="80000"/>
+              <a:buFont typeface="Wingdings 3" charset="2"/>
+              <a:buChar char=""/>
+              <a:defRPr sz="1400" b="0" i="0" kern="1200">
+                <a:solidFill>
+                  <a:schemeClr val="tx1"/>
+                </a:solidFill>
+                <a:latin typeface="+mj-lt"/>
+                <a:ea typeface="+mj-ea"/>
+                <a:cs typeface="+mj-cs"/>
+              </a:defRPr>
+            </a:lvl7pPr>
+            <a:lvl8pPr marL="3429000" indent="-228600" algn="l" defTabSz="457200" rtl="0" eaLnBrk="1" latinLnBrk="0" hangingPunct="1">
+              <a:spcBef>
+                <a:spcPts val="1000"/>
+              </a:spcBef>
+              <a:spcAft>
+                <a:spcPts val="0"/>
+              </a:spcAft>
+              <a:buClr>
+                <a:schemeClr val="bg2">
+                  <a:lumMod val="40000"/>
+                  <a:lumOff val="60000"/>
+                </a:schemeClr>
+              </a:buClr>
+              <a:buSzPct val="80000"/>
+              <a:buFont typeface="Wingdings 3" charset="2"/>
+              <a:buChar char=""/>
+              <a:defRPr sz="1400" b="0" i="0" kern="1200">
+                <a:solidFill>
+                  <a:schemeClr val="tx1"/>
+                </a:solidFill>
+                <a:latin typeface="+mj-lt"/>
+                <a:ea typeface="+mj-ea"/>
+                <a:cs typeface="+mj-cs"/>
+              </a:defRPr>
+            </a:lvl8pPr>
+            <a:lvl9pPr marL="3886200" indent="-228600" algn="l" defTabSz="457200" rtl="0" eaLnBrk="1" latinLnBrk="0" hangingPunct="1">
+              <a:spcBef>
+                <a:spcPts val="1000"/>
+              </a:spcBef>
+              <a:spcAft>
+                <a:spcPts val="0"/>
+              </a:spcAft>
+              <a:buClr>
+                <a:schemeClr val="bg2">
+                  <a:lumMod val="40000"/>
+                  <a:lumOff val="60000"/>
+                </a:schemeClr>
+              </a:buClr>
+              <a:buSzPct val="80000"/>
+              <a:buFont typeface="Wingdings 3" charset="2"/>
+              <a:buChar char=""/>
+              <a:defRPr sz="1400" b="0" i="0" kern="1200">
+                <a:solidFill>
+                  <a:schemeClr val="tx1"/>
+                </a:solidFill>
+                <a:latin typeface="+mj-lt"/>
+                <a:ea typeface="+mj-ea"/>
+                <a:cs typeface="+mj-cs"/>
+              </a:defRPr>
+            </a:lvl9pPr>
+          </a:lstStyle>
+          <a:p>
+            <a:pPr marL="0" indent="0">
+              <a:buFont typeface="Wingdings 3" charset="2"/>
+              <a:buNone/>
+            </a:pPr>
+            <a:r>
+              <a:rPr lang="ru-RU" sz="1800" dirty="0" err="1" smtClean="0"/>
+              <a:t>Оркестрация</a:t>
+            </a:r>
+            <a:r>
+              <a:rPr lang="ru-RU" sz="1800" dirty="0" smtClean="0"/>
+              <a:t> данных на примере курса доллара США</a:t>
+            </a:r>
+            <a:endParaRPr lang="ru-RU" sz="1800" dirty="0"/>
+          </a:p>
+        </p:txBody>
+      </p:sp>
+      <p:pic>
+        <p:nvPicPr>
+          <p:cNvPr id="7" name="Рисунок 6"/>
+          <p:cNvPicPr>
+            <a:picLocks noChangeAspect="1"/>
+          </p:cNvPicPr>
+          <p:nvPr/>
+        </p:nvPicPr>
+        <p:blipFill>
+          <a:blip r:embed="rId2">
+            <a:extLst>
+              <a:ext uri="{28A0092B-C50C-407E-A947-70E740481C1C}">
+                <a14:useLocalDpi xmlns:a14="http://schemas.microsoft.com/office/drawing/2010/main" val="0"/>
+              </a:ext>
+            </a:extLst>
+          </a:blip>
+          <a:stretch>
+            <a:fillRect/>
+          </a:stretch>
+        </p:blipFill>
+        <p:spPr>
+          <a:xfrm>
+            <a:off x="1626238" y="2905126"/>
+            <a:ext cx="8782113" cy="2983610"/>
+          </a:xfrm>
+          <a:prstGeom prst="rect">
+            <a:avLst/>
+          </a:prstGeom>
+        </p:spPr>
+      </p:pic>
+    </p:spTree>
+    <p:extLst>
+      <p:ext uri="{BB962C8B-B14F-4D97-AF65-F5344CB8AC3E}">
+        <p14:creationId xmlns:p14="http://schemas.microsoft.com/office/powerpoint/2010/main" val="628747885"/>
+      </p:ext>
+    </p:extLst>
+  </p:cSld>
+  <p:clrMapOvr>
+    <a:masterClrMapping/>
+  </p:clrMapOvr>
+  <mc:AlternateContent xmlns:mc="http://schemas.openxmlformats.org/markup-compatibility/2006" xmlns:p14="http://schemas.microsoft.com/office/powerpoint/2010/main">
+    <mc:Choice Requires="p14">
+      <p:transition spd="med" p14:dur="700">
+        <p:fade/>
+      </p:transition>
+    </mc:Choice>
+    <mc:Fallback xmlns="">
+      <p:transition spd="med">
+        <p:fade/>
+      </p:transition>
+    </mc:Fallback>
+  </mc:AlternateContent>
+  <p:timing>
+    <p:tnLst>
+      <p:par>
+        <p:cTn id="1" dur="indefinite" restart="never" nodeType="tmRoot"/>
+      </p:par>
+    </p:tnLst>
+  </p:timing>
+</p:sld>
+</file>
+
+<file path=ppt/slides/slide8.xml><?xml version="1.0" encoding="utf-8"?>
+<p:sld xmlns:a="http://schemas.openxmlformats.org/drawingml/2006/main" xmlns:r="http://schemas.openxmlformats.org/officeDocument/2006/relationships" xmlns:p="http://schemas.openxmlformats.org/presentationml/2006/main">
+  <p:cSld>
+    <p:spTree>
+      <p:nvGrpSpPr>
+        <p:cNvPr id="1" name=""/>
+        <p:cNvGrpSpPr/>
+        <p:nvPr/>
+      </p:nvGrpSpPr>
+      <p:grpSpPr>
+        <a:xfrm>
+          <a:off x="0" y="0"/>
+          <a:ext cx="0" cy="0"/>
+          <a:chOff x="0" y="0"/>
+          <a:chExt cx="0" cy="0"/>
+        </a:xfrm>
+      </p:grpSpPr>
+      <p:sp>
+        <p:nvSpPr>
+          <p:cNvPr id="2" name="Заголовок 1"/>
+          <p:cNvSpPr>
+            <a:spLocks noGrp="1"/>
+          </p:cNvSpPr>
+          <p:nvPr>
+            <p:ph type="title"/>
+          </p:nvPr>
+        </p:nvSpPr>
+        <p:spPr/>
+        <p:txBody>
+          <a:bodyPr/>
+          <a:lstStyle/>
+          <a:p>
+            <a:r>
+              <a:rPr lang="ru-RU" dirty="0"/>
+              <a:t>План реализации</a:t>
+            </a:r>
+          </a:p>
+        </p:txBody>
+      </p:sp>
+      <p:sp>
+        <p:nvSpPr>
+          <p:cNvPr id="3" name="Объект 2"/>
+          <p:cNvSpPr>
+            <a:spLocks noGrp="1"/>
+          </p:cNvSpPr>
+          <p:nvPr>
+            <p:ph idx="1"/>
+          </p:nvPr>
+        </p:nvSpPr>
+        <p:spPr>
+          <a:xfrm>
+            <a:off x="550862" y="1357594"/>
+            <a:ext cx="8946541" cy="1318932"/>
+          </a:xfrm>
+        </p:spPr>
+        <p:txBody>
+          <a:bodyPr/>
+          <a:lstStyle/>
+          <a:p>
+            <a:pPr marL="0" indent="0">
+              <a:buNone/>
+            </a:pPr>
+            <a:r>
+              <a:rPr lang="ru-RU" u="sng" dirty="0" smtClean="0"/>
+              <a:t>Формирование витрины</a:t>
+            </a:r>
+          </a:p>
+          <a:p>
+            <a:r>
+              <a:rPr lang="ru-RU" dirty="0" smtClean="0"/>
+              <a:t>Составляется </a:t>
+            </a:r>
+            <a:r>
+              <a:rPr lang="en-US" dirty="0" smtClean="0"/>
+              <a:t>SQL-</a:t>
+            </a:r>
+            <a:r>
+              <a:rPr lang="ru-RU" dirty="0" smtClean="0"/>
+              <a:t>запрос для сбора необходимой информации из созданной базы данных в витрине данных</a:t>
+            </a:r>
+            <a:endParaRPr lang="ru-RU" dirty="0"/>
+          </a:p>
+        </p:txBody>
+      </p:sp>
+      <p:pic>
+        <p:nvPicPr>
+          <p:cNvPr id="4" name="Рисунок 3"/>
+          <p:cNvPicPr>
+            <a:picLocks noChangeAspect="1"/>
+          </p:cNvPicPr>
+          <p:nvPr/>
+        </p:nvPicPr>
+        <p:blipFill>
+          <a:blip r:embed="rId2">
+            <a:extLst>
+              <a:ext uri="{28A0092B-C50C-407E-A947-70E740481C1C}">
+                <a14:useLocalDpi xmlns:a14="http://schemas.microsoft.com/office/drawing/2010/main" val="0"/>
+              </a:ext>
+            </a:extLst>
+          </a:blip>
+          <a:stretch>
+            <a:fillRect/>
+          </a:stretch>
+        </p:blipFill>
+        <p:spPr>
+          <a:xfrm>
+            <a:off x="969961" y="3177224"/>
+            <a:ext cx="10600109" cy="2204401"/>
+          </a:xfrm>
+          <a:prstGeom prst="rect">
+            <a:avLst/>
+          </a:prstGeom>
+        </p:spPr>
+      </p:pic>
+      <p:sp>
+        <p:nvSpPr>
+          <p:cNvPr id="5" name="Объект 2"/>
+          <p:cNvSpPr txBox="1">
+            <a:spLocks/>
+          </p:cNvSpPr>
+          <p:nvPr/>
+        </p:nvSpPr>
+        <p:spPr>
+          <a:xfrm>
+            <a:off x="3346654" y="5575160"/>
+            <a:ext cx="5635422" cy="584482"/>
+          </a:xfrm>
+          <a:prstGeom prst="rect">
+            <a:avLst/>
+          </a:prstGeom>
+        </p:spPr>
+        <p:txBody>
+          <a:bodyPr vert="horz" lIns="91440" tIns="45720" rIns="91440" bIns="45720" rtlCol="0">
+            <a:normAutofit/>
+          </a:bodyPr>
+          <a:lstStyle>
+            <a:lvl1pPr marL="342900" indent="-342900" algn="l" defTabSz="457200" rtl="0" eaLnBrk="1" latinLnBrk="0" hangingPunct="1">
+              <a:spcBef>
+                <a:spcPts val="1000"/>
+              </a:spcBef>
+              <a:spcAft>
+                <a:spcPts val="0"/>
+              </a:spcAft>
+              <a:buClr>
+                <a:schemeClr val="bg2">
+                  <a:lumMod val="40000"/>
+                  <a:lumOff val="60000"/>
+                </a:schemeClr>
+              </a:buClr>
+              <a:buSzPct val="80000"/>
+              <a:buFont typeface="Wingdings 3" charset="2"/>
+              <a:buChar char=""/>
+              <a:defRPr sz="2000" b="0" i="0" kern="1200">
+                <a:solidFill>
+                  <a:schemeClr val="tx1"/>
+                </a:solidFill>
+                <a:latin typeface="+mj-lt"/>
+                <a:ea typeface="+mj-ea"/>
+                <a:cs typeface="+mj-cs"/>
+              </a:defRPr>
+            </a:lvl1pPr>
+            <a:lvl2pPr marL="742950" indent="-285750" algn="l" defTabSz="457200" rtl="0" eaLnBrk="1" latinLnBrk="0" hangingPunct="1">
+              <a:spcBef>
+                <a:spcPts val="1000"/>
+              </a:spcBef>
+              <a:spcAft>
+                <a:spcPts val="0"/>
+              </a:spcAft>
+              <a:buClr>
+                <a:schemeClr val="bg2">
+                  <a:lumMod val="40000"/>
+                  <a:lumOff val="60000"/>
+                </a:schemeClr>
+              </a:buClr>
+              <a:buSzPct val="80000"/>
+              <a:buFont typeface="Wingdings 3" charset="2"/>
+              <a:buChar char=""/>
+              <a:defRPr sz="1800" b="0" i="0" kern="1200">
+                <a:solidFill>
+                  <a:schemeClr val="tx1"/>
+                </a:solidFill>
+                <a:latin typeface="+mj-lt"/>
+                <a:ea typeface="+mj-ea"/>
+                <a:cs typeface="+mj-cs"/>
+              </a:defRPr>
+            </a:lvl2pPr>
+            <a:lvl3pPr marL="1143000" indent="-228600" algn="l" defTabSz="457200" rtl="0" eaLnBrk="1" latinLnBrk="0" hangingPunct="1">
+              <a:spcBef>
+                <a:spcPts val="1000"/>
+              </a:spcBef>
+              <a:spcAft>
+                <a:spcPts val="0"/>
+              </a:spcAft>
+              <a:buClr>
+                <a:schemeClr val="bg2">
+                  <a:lumMod val="40000"/>
+                  <a:lumOff val="60000"/>
+                </a:schemeClr>
+              </a:buClr>
+              <a:buSzPct val="80000"/>
+              <a:buFont typeface="Wingdings 3" charset="2"/>
+              <a:buChar char=""/>
+              <a:defRPr sz="1600" b="0" i="0" kern="1200">
+                <a:solidFill>
+                  <a:schemeClr val="tx1"/>
+                </a:solidFill>
+                <a:latin typeface="+mj-lt"/>
+                <a:ea typeface="+mj-ea"/>
+                <a:cs typeface="+mj-cs"/>
+              </a:defRPr>
+            </a:lvl3pPr>
+            <a:lvl4pPr marL="1600200" indent="-228600" algn="l" defTabSz="457200" rtl="0" eaLnBrk="1" latinLnBrk="0" hangingPunct="1">
+              <a:spcBef>
+                <a:spcPts val="1000"/>
+              </a:spcBef>
+              <a:spcAft>
+                <a:spcPts val="0"/>
+              </a:spcAft>
+              <a:buClr>
+                <a:schemeClr val="bg2">
+                  <a:lumMod val="40000"/>
+                  <a:lumOff val="60000"/>
+                </a:schemeClr>
+              </a:buClr>
+              <a:buSzPct val="80000"/>
+              <a:buFont typeface="Wingdings 3" charset="2"/>
+              <a:buChar char=""/>
+              <a:defRPr sz="1400" b="0" i="0" kern="1200">
+                <a:solidFill>
+                  <a:schemeClr val="tx1"/>
+                </a:solidFill>
+                <a:latin typeface="+mj-lt"/>
+                <a:ea typeface="+mj-ea"/>
+                <a:cs typeface="+mj-cs"/>
+              </a:defRPr>
+            </a:lvl4pPr>
+            <a:lvl5pPr marL="2057400" indent="-228600" algn="l" defTabSz="457200" rtl="0" eaLnBrk="1" latinLnBrk="0" hangingPunct="1">
+              <a:spcBef>
+                <a:spcPts val="1000"/>
+              </a:spcBef>
+              <a:spcAft>
+                <a:spcPts val="0"/>
+              </a:spcAft>
+              <a:buClr>
+                <a:schemeClr val="bg2">
+                  <a:lumMod val="40000"/>
+                  <a:lumOff val="60000"/>
+                </a:schemeClr>
+              </a:buClr>
+              <a:buSzPct val="80000"/>
+              <a:buFont typeface="Wingdings 3" charset="2"/>
+              <a:buChar char=""/>
+              <a:defRPr sz="1400" b="0" i="0" kern="1200">
+                <a:solidFill>
+                  <a:schemeClr val="tx1"/>
+                </a:solidFill>
+                <a:latin typeface="+mj-lt"/>
+                <a:ea typeface="+mj-ea"/>
+                <a:cs typeface="+mj-cs"/>
+              </a:defRPr>
+            </a:lvl5pPr>
+            <a:lvl6pPr marL="2506000" indent="-228600" algn="l" defTabSz="457200" rtl="0" eaLnBrk="1" latinLnBrk="0" hangingPunct="1">
+              <a:spcBef>
+                <a:spcPts val="1000"/>
+              </a:spcBef>
+              <a:spcAft>
+                <a:spcPts val="0"/>
+              </a:spcAft>
+              <a:buClr>
+                <a:schemeClr val="bg2">
+                  <a:lumMod val="40000"/>
+                  <a:lumOff val="60000"/>
+                </a:schemeClr>
+              </a:buClr>
+              <a:buSzPct val="80000"/>
+              <a:buFont typeface="Wingdings 3" charset="2"/>
+              <a:buChar char=""/>
+              <a:defRPr sz="1400" b="0" i="0" kern="1200">
+                <a:solidFill>
+                  <a:schemeClr val="tx1"/>
+                </a:solidFill>
+                <a:latin typeface="+mj-lt"/>
+                <a:ea typeface="+mj-ea"/>
+                <a:cs typeface="+mj-cs"/>
+              </a:defRPr>
+            </a:lvl6pPr>
+            <a:lvl7pPr marL="2971800" indent="-228600" algn="l" defTabSz="457200" rtl="0" eaLnBrk="1" latinLnBrk="0" hangingPunct="1">
+              <a:spcBef>
+                <a:spcPts val="1000"/>
+              </a:spcBef>
+              <a:spcAft>
+                <a:spcPts val="0"/>
+              </a:spcAft>
+              <a:buClr>
+                <a:schemeClr val="bg2">
+                  <a:lumMod val="40000"/>
+                  <a:lumOff val="60000"/>
+                </a:schemeClr>
+              </a:buClr>
+              <a:buSzPct val="80000"/>
+              <a:buFont typeface="Wingdings 3" charset="2"/>
+              <a:buChar char=""/>
+              <a:defRPr sz="1400" b="0" i="0" kern="1200">
+                <a:solidFill>
+                  <a:schemeClr val="tx1"/>
+                </a:solidFill>
+                <a:latin typeface="+mj-lt"/>
+                <a:ea typeface="+mj-ea"/>
+                <a:cs typeface="+mj-cs"/>
+              </a:defRPr>
+            </a:lvl7pPr>
+            <a:lvl8pPr marL="3429000" indent="-228600" algn="l" defTabSz="457200" rtl="0" eaLnBrk="1" latinLnBrk="0" hangingPunct="1">
+              <a:spcBef>
+                <a:spcPts val="1000"/>
+              </a:spcBef>
+              <a:spcAft>
+                <a:spcPts val="0"/>
+              </a:spcAft>
+              <a:buClr>
+                <a:schemeClr val="bg2">
+                  <a:lumMod val="40000"/>
+                  <a:lumOff val="60000"/>
+                </a:schemeClr>
+              </a:buClr>
+              <a:buSzPct val="80000"/>
+              <a:buFont typeface="Wingdings 3" charset="2"/>
+              <a:buChar char=""/>
+              <a:defRPr sz="1400" b="0" i="0" kern="1200">
+                <a:solidFill>
+                  <a:schemeClr val="tx1"/>
+                </a:solidFill>
+                <a:latin typeface="+mj-lt"/>
+                <a:ea typeface="+mj-ea"/>
+                <a:cs typeface="+mj-cs"/>
+              </a:defRPr>
+            </a:lvl8pPr>
+            <a:lvl9pPr marL="3886200" indent="-228600" algn="l" defTabSz="457200" rtl="0" eaLnBrk="1" latinLnBrk="0" hangingPunct="1">
+              <a:spcBef>
+                <a:spcPts val="1000"/>
+              </a:spcBef>
+              <a:spcAft>
+                <a:spcPts val="0"/>
+              </a:spcAft>
+              <a:buClr>
+                <a:schemeClr val="bg2">
+                  <a:lumMod val="40000"/>
+                  <a:lumOff val="60000"/>
+                </a:schemeClr>
+              </a:buClr>
+              <a:buSzPct val="80000"/>
+              <a:buFont typeface="Wingdings 3" charset="2"/>
+              <a:buChar char=""/>
+              <a:defRPr sz="1400" b="0" i="0" kern="1200">
+                <a:solidFill>
+                  <a:schemeClr val="tx1"/>
+                </a:solidFill>
+                <a:latin typeface="+mj-lt"/>
+                <a:ea typeface="+mj-ea"/>
+                <a:cs typeface="+mj-cs"/>
+              </a:defRPr>
+            </a:lvl9pPr>
+          </a:lstStyle>
+          <a:p>
+            <a:pPr marL="0" indent="0">
+              <a:buFont typeface="Wingdings 3" charset="2"/>
+              <a:buNone/>
+            </a:pPr>
+            <a:r>
+              <a:rPr lang="en-US" sz="1800" dirty="0" smtClean="0"/>
+              <a:t>SQL-</a:t>
+            </a:r>
+            <a:r>
+              <a:rPr lang="ru-RU" sz="1800" dirty="0" smtClean="0"/>
+              <a:t>запрос формирования витрины данных</a:t>
+            </a:r>
+            <a:endParaRPr lang="ru-RU" sz="1800" dirty="0"/>
+          </a:p>
+        </p:txBody>
+      </p:sp>
+    </p:spTree>
+    <p:extLst>
+      <p:ext uri="{BB962C8B-B14F-4D97-AF65-F5344CB8AC3E}">
+        <p14:creationId xmlns:p14="http://schemas.microsoft.com/office/powerpoint/2010/main" val="109540641"/>
+      </p:ext>
+    </p:extLst>
+  </p:cSld>
+  <p:clrMapOvr>
+    <a:masterClrMapping/>
+  </p:clrMapOvr>
+  <mc:AlternateContent xmlns:mc="http://schemas.openxmlformats.org/markup-compatibility/2006" xmlns:p14="http://schemas.microsoft.com/office/powerpoint/2010/main">
+    <mc:Choice Requires="p14">
+      <p:transition spd="med" p14:dur="700">
+        <p:fade/>
+      </p:transition>
+    </mc:Choice>
+    <mc:Fallback xmlns="">
+      <p:transition spd="med">
+        <p:fade/>
+      </p:transition>
+    </mc:Fallback>
+  </mc:AlternateContent>
+  <p:timing>
+    <p:tnLst>
+      <p:par>
+        <p:cTn id="1" dur="indefinite" restart="never" nodeType="tmRoot"/>
+      </p:par>
+    </p:tnLst>
+  </p:timing>
+</p:sld>
+</file>
+
+<file path=ppt/slides/slide9.xml><?xml version="1.0" encoding="utf-8"?>
+<p:sld xmlns:a="http://schemas.openxmlformats.org/drawingml/2006/main" xmlns:r="http://schemas.openxmlformats.org/officeDocument/2006/relationships" xmlns:p="http://schemas.openxmlformats.org/presentationml/2006/main">
+  <p:cSld>
+    <p:spTree>
+      <p:nvGrpSpPr>
+        <p:cNvPr id="1" name=""/>
+        <p:cNvGrpSpPr/>
+        <p:nvPr/>
+      </p:nvGrpSpPr>
+      <p:grpSpPr>
+        <a:xfrm>
+          <a:off x="0" y="0"/>
+          <a:ext cx="0" cy="0"/>
+          <a:chOff x="0" y="0"/>
+          <a:chExt cx="0" cy="0"/>
+        </a:xfrm>
+      </p:grpSpPr>
+      <p:sp>
+        <p:nvSpPr>
+          <p:cNvPr id="2" name="Заголовок 1"/>
+          <p:cNvSpPr>
+            <a:spLocks noGrp="1"/>
+          </p:cNvSpPr>
+          <p:nvPr>
+            <p:ph type="title"/>
+          </p:nvPr>
+        </p:nvSpPr>
+        <p:spPr>
+          <a:xfrm>
+            <a:off x="646111" y="452718"/>
+            <a:ext cx="9404723" cy="766482"/>
+          </a:xfrm>
+        </p:spPr>
+        <p:txBody>
+          <a:bodyPr/>
+          <a:lstStyle/>
+          <a:p>
+            <a:r>
+              <a:rPr lang="en-US" sz="3200" dirty="0" smtClean="0"/>
+              <a:t>ER-</a:t>
+            </a:r>
+            <a:r>
+              <a:rPr lang="ru-RU" sz="3200" dirty="0" smtClean="0"/>
+              <a:t>диаграмма обработки данных по слоям</a:t>
+            </a:r>
+            <a:endParaRPr lang="ru-RU" sz="3200" dirty="0"/>
+          </a:p>
+        </p:txBody>
+      </p:sp>
+      <p:pic>
+        <p:nvPicPr>
+          <p:cNvPr id="5" name="Рисунок 4"/>
+          <p:cNvPicPr>
+            <a:picLocks noChangeAspect="1"/>
+          </p:cNvPicPr>
+          <p:nvPr/>
+        </p:nvPicPr>
+        <p:blipFill>
+          <a:blip r:embed="rId2">
+            <a:extLst>
+              <a:ext uri="{28A0092B-C50C-407E-A947-70E740481C1C}">
+                <a14:useLocalDpi xmlns:a14="http://schemas.microsoft.com/office/drawing/2010/main" val="0"/>
+              </a:ext>
+            </a:extLst>
+          </a:blip>
+          <a:stretch>
+            <a:fillRect/>
+          </a:stretch>
+        </p:blipFill>
+        <p:spPr>
+          <a:xfrm>
+            <a:off x="646111" y="1577023"/>
+            <a:ext cx="10395284" cy="4722223"/>
+          </a:xfrm>
+          <a:prstGeom prst="rect">
+            <a:avLst/>
+          </a:prstGeom>
+        </p:spPr>
+      </p:pic>
+    </p:spTree>
+    <p:extLst>
+      <p:ext uri="{BB962C8B-B14F-4D97-AF65-F5344CB8AC3E}">
+        <p14:creationId xmlns:p14="http://schemas.microsoft.com/office/powerpoint/2010/main" val="315125767"/>
+      </p:ext>
+    </p:extLst>
+  </p:cSld>
+  <p:clrMapOvr>
+    <a:masterClrMapping/>
+  </p:clrMapOvr>
+  <mc:AlternateContent xmlns:mc="http://schemas.openxmlformats.org/markup-compatibility/2006" xmlns:p14="http://schemas.microsoft.com/office/powerpoint/2010/main">
+    <mc:Choice Requires="p14">
+      <p:transition spd="med" p14:dur="700">
+        <p:fade/>
+      </p:transition>
+    </mc:Choice>
+    <mc:Fallback xmlns="">
       <p:transition spd="med">
         <p:fade/>
       </p:transition>
